--- a/Sprint2/Documentação/Apresentação Sprint 2.pptx
+++ b/Sprint2/Documentação/Apresentação Sprint 2.pptx
@@ -14,6 +14,7 @@
     <p:sldId id="263" r:id="rId8"/>
     <p:sldId id="266" r:id="rId9"/>
     <p:sldId id="267" r:id="rId10"/>
+    <p:sldId id="268" r:id="rId11"/>
   </p:sldIdLst>
   <p:sldSz cx="12192000" cy="6858000"/>
   <p:notesSz cx="6858000" cy="9144000"/>
@@ -6411,6 +6412,1099 @@
 </p:sld>
 </file>
 
+<file path=ppt/slides/slide10.xml><?xml version="1.0" encoding="utf-8"?>
+<p:sld xmlns:a="http://schemas.openxmlformats.org/drawingml/2006/main" xmlns:r="http://schemas.openxmlformats.org/officeDocument/2006/relationships" xmlns:p="http://schemas.openxmlformats.org/presentationml/2006/main">
+  <p:cSld>
+    <p:bg>
+      <p:bgPr>
+        <a:solidFill>
+          <a:schemeClr val="bg2">
+            <a:lumMod val="75000"/>
+          </a:schemeClr>
+        </a:solidFill>
+        <a:effectLst/>
+      </p:bgPr>
+    </p:bg>
+    <p:spTree>
+      <p:nvGrpSpPr>
+        <p:cNvPr id="1" name=""/>
+        <p:cNvGrpSpPr/>
+        <p:nvPr/>
+      </p:nvGrpSpPr>
+      <p:grpSpPr>
+        <a:xfrm>
+          <a:off x="0" y="0"/>
+          <a:ext cx="0" cy="0"/>
+          <a:chOff x="0" y="0"/>
+          <a:chExt cx="0" cy="0"/>
+        </a:xfrm>
+      </p:grpSpPr>
+      <p:sp useBgFill="1">
+        <p:nvSpPr>
+          <p:cNvPr id="21" name="Rectangle 20">
+            <a:extLst>
+              <a:ext uri="{FF2B5EF4-FFF2-40B4-BE49-F238E27FC236}">
+                <a16:creationId xmlns:a16="http://schemas.microsoft.com/office/drawing/2014/main" id="{A29398BB-6F62-472B-88B2-8D942FEBFB20}"/>
+              </a:ext>
+              <a:ext uri="{C183D7F6-B498-43B3-948B-1728B52AA6E4}">
+                <adec:decorative xmlns:adec="http://schemas.microsoft.com/office/drawing/2017/decorative" val="1"/>
+              </a:ext>
+            </a:extLst>
+          </p:cNvPr>
+          <p:cNvSpPr>
+            <a:spLocks noGrp="1" noRot="1" noChangeAspect="1" noMove="1" noResize="1" noEditPoints="1" noAdjustHandles="1" noChangeArrowheads="1" noChangeShapeType="1" noTextEdit="1"/>
+          </p:cNvSpPr>
+          <p:nvPr>
+            <p:extLst>
+              <p:ext uri="{386F3935-93C4-4BCD-93E2-E3B085C9AB24}">
+                <p16:designElem xmlns:p16="http://schemas.microsoft.com/office/powerpoint/2015/main" val="1"/>
+              </p:ext>
+            </p:extLst>
+          </p:nvPr>
+        </p:nvSpPr>
+        <p:spPr>
+          <a:xfrm>
+            <a:off x="0" y="0"/>
+            <a:ext cx="12192000" cy="6858000"/>
+          </a:xfrm>
+          <a:prstGeom prst="rect">
+            <a:avLst/>
+          </a:prstGeom>
+          <a:ln>
+            <a:noFill/>
+          </a:ln>
+        </p:spPr>
+        <p:style>
+          <a:lnRef idx="2">
+            <a:schemeClr val="accent1">
+              <a:shade val="50000"/>
+            </a:schemeClr>
+          </a:lnRef>
+          <a:fillRef idx="1">
+            <a:schemeClr val="accent1"/>
+          </a:fillRef>
+          <a:effectRef idx="0">
+            <a:schemeClr val="accent1"/>
+          </a:effectRef>
+          <a:fontRef idx="minor">
+            <a:schemeClr val="lt1"/>
+          </a:fontRef>
+        </p:style>
+        <p:txBody>
+          <a:bodyPr rtlCol="0" anchor="ctr"/>
+          <a:lstStyle/>
+          <a:p>
+            <a:pPr algn="ctr"/>
+            <a:endParaRPr lang="en-US"/>
+          </a:p>
+        </p:txBody>
+      </p:sp>
+      <p:sp>
+        <p:nvSpPr>
+          <p:cNvPr id="23" name="Freeform: Shape 22">
+            <a:extLst>
+              <a:ext uri="{FF2B5EF4-FFF2-40B4-BE49-F238E27FC236}">
+                <a16:creationId xmlns:a16="http://schemas.microsoft.com/office/drawing/2014/main" id="{74F93062-C8C5-49C4-B90F-AA5653D572D2}"/>
+              </a:ext>
+              <a:ext uri="{C183D7F6-B498-43B3-948B-1728B52AA6E4}">
+                <adec:decorative xmlns:adec="http://schemas.microsoft.com/office/drawing/2017/decorative" val="1"/>
+              </a:ext>
+            </a:extLst>
+          </p:cNvPr>
+          <p:cNvSpPr>
+            <a:spLocks noGrp="1" noRot="1" noChangeAspect="1" noMove="1" noResize="1" noEditPoints="1" noAdjustHandles="1" noChangeArrowheads="1" noChangeShapeType="1" noTextEdit="1"/>
+          </p:cNvSpPr>
+          <p:nvPr>
+            <p:extLst>
+              <p:ext uri="{386F3935-93C4-4BCD-93E2-E3B085C9AB24}">
+                <p16:designElem xmlns:p16="http://schemas.microsoft.com/office/powerpoint/2015/main" val="1"/>
+              </p:ext>
+            </p:extLst>
+          </p:nvPr>
+        </p:nvSpPr>
+        <p:spPr>
+          <a:xfrm>
+            <a:off x="633314" y="1073777"/>
+            <a:ext cx="5952404" cy="4961263"/>
+          </a:xfrm>
+          <a:custGeom>
+            <a:avLst/>
+            <a:gdLst>
+              <a:gd name="connsiteX0" fmla="*/ 2768595 w 4574113"/>
+              <a:gd name="connsiteY0" fmla="*/ 2476119 h 3812472"/>
+              <a:gd name="connsiteX1" fmla="*/ 3374676 w 4574113"/>
+              <a:gd name="connsiteY1" fmla="*/ 2476119 h 3812472"/>
+              <a:gd name="connsiteX2" fmla="*/ 3403209 w 4574113"/>
+              <a:gd name="connsiteY2" fmla="*/ 2479909 h 3812472"/>
+              <a:gd name="connsiteX3" fmla="*/ 3422833 w 4574113"/>
+              <a:gd name="connsiteY3" fmla="*/ 2488137 h 3812472"/>
+              <a:gd name="connsiteX4" fmla="*/ 3410840 w 4574113"/>
+              <a:gd name="connsiteY4" fmla="*/ 2508879 h 3812472"/>
+              <a:gd name="connsiteX5" fmla="*/ 2985934 w 4574113"/>
+              <a:gd name="connsiteY5" fmla="*/ 3243764 h 3812472"/>
+              <a:gd name="connsiteX6" fmla="*/ 2732784 w 4574113"/>
+              <a:gd name="connsiteY6" fmla="*/ 3390890 h 3812472"/>
+              <a:gd name="connsiteX7" fmla="*/ 2529297 w 4574113"/>
+              <a:gd name="connsiteY7" fmla="*/ 3390890 h 3812472"/>
+              <a:gd name="connsiteX8" fmla="*/ 2505559 w 4574113"/>
+              <a:gd name="connsiteY8" fmla="*/ 3390890 h 3812472"/>
+              <a:gd name="connsiteX9" fmla="*/ 2482907 w 4574113"/>
+              <a:gd name="connsiteY9" fmla="*/ 3351884 h 3812472"/>
+              <a:gd name="connsiteX10" fmla="*/ 2371959 w 4574113"/>
+              <a:gd name="connsiteY10" fmla="*/ 3160822 h 3812472"/>
+              <a:gd name="connsiteX11" fmla="*/ 2371959 w 4574113"/>
+              <a:gd name="connsiteY11" fmla="*/ 3053878 h 3812472"/>
+              <a:gd name="connsiteX12" fmla="*/ 2675654 w 4574113"/>
+              <a:gd name="connsiteY12" fmla="*/ 2530895 h 3812472"/>
+              <a:gd name="connsiteX13" fmla="*/ 2768595 w 4574113"/>
+              <a:gd name="connsiteY13" fmla="*/ 2476119 h 3812472"/>
+              <a:gd name="connsiteX14" fmla="*/ 3909778 w 4574113"/>
+              <a:gd name="connsiteY14" fmla="*/ 676847 h 3812472"/>
+              <a:gd name="connsiteX15" fmla="*/ 4305516 w 4574113"/>
+              <a:gd name="connsiteY15" fmla="*/ 676847 h 3812472"/>
+              <a:gd name="connsiteX16" fmla="*/ 4367056 w 4574113"/>
+              <a:gd name="connsiteY16" fmla="*/ 712612 h 3812472"/>
+              <a:gd name="connsiteX17" fmla="*/ 4564498 w 4574113"/>
+              <a:gd name="connsiteY17" fmla="*/ 1054092 h 3812472"/>
+              <a:gd name="connsiteX18" fmla="*/ 4564498 w 4574113"/>
+              <a:gd name="connsiteY18" fmla="*/ 1123921 h 3812472"/>
+              <a:gd name="connsiteX19" fmla="*/ 4367056 w 4574113"/>
+              <a:gd name="connsiteY19" fmla="*/ 1465401 h 3812472"/>
+              <a:gd name="connsiteX20" fmla="*/ 4305516 w 4574113"/>
+              <a:gd name="connsiteY20" fmla="*/ 1501167 h 3812472"/>
+              <a:gd name="connsiteX21" fmla="*/ 3909778 w 4574113"/>
+              <a:gd name="connsiteY21" fmla="*/ 1501167 h 3812472"/>
+              <a:gd name="connsiteX22" fmla="*/ 3849091 w 4574113"/>
+              <a:gd name="connsiteY22" fmla="*/ 1465401 h 3812472"/>
+              <a:gd name="connsiteX23" fmla="*/ 3650795 w 4574113"/>
+              <a:gd name="connsiteY23" fmla="*/ 1123921 h 3812472"/>
+              <a:gd name="connsiteX24" fmla="*/ 3650795 w 4574113"/>
+              <a:gd name="connsiteY24" fmla="*/ 1054092 h 3812472"/>
+              <a:gd name="connsiteX25" fmla="*/ 3849091 w 4574113"/>
+              <a:gd name="connsiteY25" fmla="*/ 712612 h 3812472"/>
+              <a:gd name="connsiteX26" fmla="*/ 3909778 w 4574113"/>
+              <a:gd name="connsiteY26" fmla="*/ 676847 h 3812472"/>
+              <a:gd name="connsiteX27" fmla="*/ 1104892 w 4574113"/>
+              <a:gd name="connsiteY27" fmla="*/ 0 h 3812472"/>
+              <a:gd name="connsiteX28" fmla="*/ 2732784 w 4574113"/>
+              <a:gd name="connsiteY28" fmla="*/ 0 h 3812472"/>
+              <a:gd name="connsiteX29" fmla="*/ 2985934 w 4574113"/>
+              <a:gd name="connsiteY29" fmla="*/ 147125 h 3812472"/>
+              <a:gd name="connsiteX30" fmla="*/ 3798122 w 4574113"/>
+              <a:gd name="connsiteY30" fmla="*/ 1551823 h 3812472"/>
+              <a:gd name="connsiteX31" fmla="*/ 3798122 w 4574113"/>
+              <a:gd name="connsiteY31" fmla="*/ 1839068 h 3812472"/>
+              <a:gd name="connsiteX32" fmla="*/ 3496551 w 4574113"/>
+              <a:gd name="connsiteY32" fmla="*/ 2360642 h 3812472"/>
+              <a:gd name="connsiteX33" fmla="*/ 3471135 w 4574113"/>
+              <a:gd name="connsiteY33" fmla="*/ 2404597 h 3812472"/>
+              <a:gd name="connsiteX34" fmla="*/ 3472029 w 4574113"/>
+              <a:gd name="connsiteY34" fmla="*/ 2404972 h 3812472"/>
+              <a:gd name="connsiteX35" fmla="*/ 3516881 w 4574113"/>
+              <a:gd name="connsiteY35" fmla="*/ 2450209 h 3812472"/>
+              <a:gd name="connsiteX36" fmla="*/ 3857970 w 4574113"/>
+              <a:gd name="connsiteY36" fmla="*/ 3040131 h 3812472"/>
+              <a:gd name="connsiteX37" fmla="*/ 3857970 w 4574113"/>
+              <a:gd name="connsiteY37" fmla="*/ 3160764 h 3812472"/>
+              <a:gd name="connsiteX38" fmla="*/ 3516881 w 4574113"/>
+              <a:gd name="connsiteY38" fmla="*/ 3750684 h 3812472"/>
+              <a:gd name="connsiteX39" fmla="*/ 3410567 w 4574113"/>
+              <a:gd name="connsiteY39" fmla="*/ 3812472 h 3812472"/>
+              <a:gd name="connsiteX40" fmla="*/ 2726911 w 4574113"/>
+              <a:gd name="connsiteY40" fmla="*/ 3812472 h 3812472"/>
+              <a:gd name="connsiteX41" fmla="*/ 2622074 w 4574113"/>
+              <a:gd name="connsiteY41" fmla="*/ 3750684 h 3812472"/>
+              <a:gd name="connsiteX42" fmla="*/ 2438330 w 4574113"/>
+              <a:gd name="connsiteY42" fmla="*/ 3434265 h 3812472"/>
+              <a:gd name="connsiteX43" fmla="*/ 2417573 w 4574113"/>
+              <a:gd name="connsiteY43" fmla="*/ 3398519 h 3812472"/>
+              <a:gd name="connsiteX44" fmla="*/ 2433905 w 4574113"/>
+              <a:gd name="connsiteY44" fmla="*/ 3398519 h 3812472"/>
+              <a:gd name="connsiteX45" fmla="*/ 2511101 w 4574113"/>
+              <a:gd name="connsiteY45" fmla="*/ 3398519 h 3812472"/>
+              <a:gd name="connsiteX46" fmla="*/ 2544636 w 4574113"/>
+              <a:gd name="connsiteY46" fmla="*/ 3456269 h 3812472"/>
+              <a:gd name="connsiteX47" fmla="*/ 2672757 w 4574113"/>
+              <a:gd name="connsiteY47" fmla="*/ 3676902 h 3812472"/>
+              <a:gd name="connsiteX48" fmla="*/ 2765699 w 4574113"/>
+              <a:gd name="connsiteY48" fmla="*/ 3731679 h 3812472"/>
+              <a:gd name="connsiteX49" fmla="*/ 3371780 w 4574113"/>
+              <a:gd name="connsiteY49" fmla="*/ 3731679 h 3812472"/>
+              <a:gd name="connsiteX50" fmla="*/ 3466029 w 4574113"/>
+              <a:gd name="connsiteY50" fmla="*/ 3676902 h 3812472"/>
+              <a:gd name="connsiteX51" fmla="*/ 3768415 w 4574113"/>
+              <a:gd name="connsiteY51" fmla="*/ 3153920 h 3812472"/>
+              <a:gd name="connsiteX52" fmla="*/ 3768415 w 4574113"/>
+              <a:gd name="connsiteY52" fmla="*/ 3046975 h 3812472"/>
+              <a:gd name="connsiteX53" fmla="*/ 3466029 w 4574113"/>
+              <a:gd name="connsiteY53" fmla="*/ 2523992 h 3812472"/>
+              <a:gd name="connsiteX54" fmla="*/ 3426268 w 4574113"/>
+              <a:gd name="connsiteY54" fmla="*/ 2483888 h 3812472"/>
+              <a:gd name="connsiteX55" fmla="*/ 3421667 w 4574113"/>
+              <a:gd name="connsiteY55" fmla="*/ 2481960 h 3812472"/>
+              <a:gd name="connsiteX56" fmla="*/ 3446331 w 4574113"/>
+              <a:gd name="connsiteY56" fmla="*/ 2439303 h 3812472"/>
+              <a:gd name="connsiteX57" fmla="*/ 3464674 w 4574113"/>
+              <a:gd name="connsiteY57" fmla="*/ 2407578 h 3812472"/>
+              <a:gd name="connsiteX58" fmla="*/ 3445649 w 4574113"/>
+              <a:gd name="connsiteY58" fmla="*/ 2399601 h 3812472"/>
+              <a:gd name="connsiteX59" fmla="*/ 3413464 w 4574113"/>
+              <a:gd name="connsiteY59" fmla="*/ 2395325 h 3812472"/>
+              <a:gd name="connsiteX60" fmla="*/ 2729808 w 4574113"/>
+              <a:gd name="connsiteY60" fmla="*/ 2395325 h 3812472"/>
+              <a:gd name="connsiteX61" fmla="*/ 2624971 w 4574113"/>
+              <a:gd name="connsiteY61" fmla="*/ 2457112 h 3812472"/>
+              <a:gd name="connsiteX62" fmla="*/ 2282405 w 4574113"/>
+              <a:gd name="connsiteY62" fmla="*/ 3047034 h 3812472"/>
+              <a:gd name="connsiteX63" fmla="*/ 2282405 w 4574113"/>
+              <a:gd name="connsiteY63" fmla="*/ 3167666 h 3812472"/>
+              <a:gd name="connsiteX64" fmla="*/ 2395478 w 4574113"/>
+              <a:gd name="connsiteY64" fmla="*/ 3362386 h 3812472"/>
+              <a:gd name="connsiteX65" fmla="*/ 2412031 w 4574113"/>
+              <a:gd name="connsiteY65" fmla="*/ 3390890 h 3812472"/>
+              <a:gd name="connsiteX66" fmla="*/ 2335350 w 4574113"/>
+              <a:gd name="connsiteY66" fmla="*/ 3390890 h 3812472"/>
+              <a:gd name="connsiteX67" fmla="*/ 1104892 w 4574113"/>
+              <a:gd name="connsiteY67" fmla="*/ 3390890 h 3812472"/>
+              <a:gd name="connsiteX68" fmla="*/ 855258 w 4574113"/>
+              <a:gd name="connsiteY68" fmla="*/ 3243764 h 3812472"/>
+              <a:gd name="connsiteX69" fmla="*/ 39555 w 4574113"/>
+              <a:gd name="connsiteY69" fmla="*/ 1839068 h 3812472"/>
+              <a:gd name="connsiteX70" fmla="*/ 39555 w 4574113"/>
+              <a:gd name="connsiteY70" fmla="*/ 1551823 h 3812472"/>
+              <a:gd name="connsiteX71" fmla="*/ 855258 w 4574113"/>
+              <a:gd name="connsiteY71" fmla="*/ 147125 h 3812472"/>
+              <a:gd name="connsiteX72" fmla="*/ 1104892 w 4574113"/>
+              <a:gd name="connsiteY72" fmla="*/ 0 h 3812472"/>
+            </a:gdLst>
+            <a:ahLst/>
+            <a:cxnLst>
+              <a:cxn ang="0">
+                <a:pos x="connsiteX0" y="connsiteY0"/>
+              </a:cxn>
+              <a:cxn ang="0">
+                <a:pos x="connsiteX1" y="connsiteY1"/>
+              </a:cxn>
+              <a:cxn ang="0">
+                <a:pos x="connsiteX2" y="connsiteY2"/>
+              </a:cxn>
+              <a:cxn ang="0">
+                <a:pos x="connsiteX3" y="connsiteY3"/>
+              </a:cxn>
+              <a:cxn ang="0">
+                <a:pos x="connsiteX4" y="connsiteY4"/>
+              </a:cxn>
+              <a:cxn ang="0">
+                <a:pos x="connsiteX5" y="connsiteY5"/>
+              </a:cxn>
+              <a:cxn ang="0">
+                <a:pos x="connsiteX6" y="connsiteY6"/>
+              </a:cxn>
+              <a:cxn ang="0">
+                <a:pos x="connsiteX7" y="connsiteY7"/>
+              </a:cxn>
+              <a:cxn ang="0">
+                <a:pos x="connsiteX8" y="connsiteY8"/>
+              </a:cxn>
+              <a:cxn ang="0">
+                <a:pos x="connsiteX9" y="connsiteY9"/>
+              </a:cxn>
+              <a:cxn ang="0">
+                <a:pos x="connsiteX10" y="connsiteY10"/>
+              </a:cxn>
+              <a:cxn ang="0">
+                <a:pos x="connsiteX11" y="connsiteY11"/>
+              </a:cxn>
+              <a:cxn ang="0">
+                <a:pos x="connsiteX12" y="connsiteY12"/>
+              </a:cxn>
+              <a:cxn ang="0">
+                <a:pos x="connsiteX13" y="connsiteY13"/>
+              </a:cxn>
+              <a:cxn ang="0">
+                <a:pos x="connsiteX14" y="connsiteY14"/>
+              </a:cxn>
+              <a:cxn ang="0">
+                <a:pos x="connsiteX15" y="connsiteY15"/>
+              </a:cxn>
+              <a:cxn ang="0">
+                <a:pos x="connsiteX16" y="connsiteY16"/>
+              </a:cxn>
+              <a:cxn ang="0">
+                <a:pos x="connsiteX17" y="connsiteY17"/>
+              </a:cxn>
+              <a:cxn ang="0">
+                <a:pos x="connsiteX18" y="connsiteY18"/>
+              </a:cxn>
+              <a:cxn ang="0">
+                <a:pos x="connsiteX19" y="connsiteY19"/>
+              </a:cxn>
+              <a:cxn ang="0">
+                <a:pos x="connsiteX20" y="connsiteY20"/>
+              </a:cxn>
+              <a:cxn ang="0">
+                <a:pos x="connsiteX21" y="connsiteY21"/>
+              </a:cxn>
+              <a:cxn ang="0">
+                <a:pos x="connsiteX22" y="connsiteY22"/>
+              </a:cxn>
+              <a:cxn ang="0">
+                <a:pos x="connsiteX23" y="connsiteY23"/>
+              </a:cxn>
+              <a:cxn ang="0">
+                <a:pos x="connsiteX24" y="connsiteY24"/>
+              </a:cxn>
+              <a:cxn ang="0">
+                <a:pos x="connsiteX25" y="connsiteY25"/>
+              </a:cxn>
+              <a:cxn ang="0">
+                <a:pos x="connsiteX26" y="connsiteY26"/>
+              </a:cxn>
+              <a:cxn ang="0">
+                <a:pos x="connsiteX27" y="connsiteY27"/>
+              </a:cxn>
+              <a:cxn ang="0">
+                <a:pos x="connsiteX28" y="connsiteY28"/>
+              </a:cxn>
+              <a:cxn ang="0">
+                <a:pos x="connsiteX29" y="connsiteY29"/>
+              </a:cxn>
+              <a:cxn ang="0">
+                <a:pos x="connsiteX30" y="connsiteY30"/>
+              </a:cxn>
+              <a:cxn ang="0">
+                <a:pos x="connsiteX31" y="connsiteY31"/>
+              </a:cxn>
+              <a:cxn ang="0">
+                <a:pos x="connsiteX32" y="connsiteY32"/>
+              </a:cxn>
+              <a:cxn ang="0">
+                <a:pos x="connsiteX33" y="connsiteY33"/>
+              </a:cxn>
+              <a:cxn ang="0">
+                <a:pos x="connsiteX34" y="connsiteY34"/>
+              </a:cxn>
+              <a:cxn ang="0">
+                <a:pos x="connsiteX35" y="connsiteY35"/>
+              </a:cxn>
+              <a:cxn ang="0">
+                <a:pos x="connsiteX36" y="connsiteY36"/>
+              </a:cxn>
+              <a:cxn ang="0">
+                <a:pos x="connsiteX37" y="connsiteY37"/>
+              </a:cxn>
+              <a:cxn ang="0">
+                <a:pos x="connsiteX38" y="connsiteY38"/>
+              </a:cxn>
+              <a:cxn ang="0">
+                <a:pos x="connsiteX39" y="connsiteY39"/>
+              </a:cxn>
+              <a:cxn ang="0">
+                <a:pos x="connsiteX40" y="connsiteY40"/>
+              </a:cxn>
+              <a:cxn ang="0">
+                <a:pos x="connsiteX41" y="connsiteY41"/>
+              </a:cxn>
+              <a:cxn ang="0">
+                <a:pos x="connsiteX42" y="connsiteY42"/>
+              </a:cxn>
+              <a:cxn ang="0">
+                <a:pos x="connsiteX43" y="connsiteY43"/>
+              </a:cxn>
+              <a:cxn ang="0">
+                <a:pos x="connsiteX44" y="connsiteY44"/>
+              </a:cxn>
+              <a:cxn ang="0">
+                <a:pos x="connsiteX45" y="connsiteY45"/>
+              </a:cxn>
+              <a:cxn ang="0">
+                <a:pos x="connsiteX46" y="connsiteY46"/>
+              </a:cxn>
+              <a:cxn ang="0">
+                <a:pos x="connsiteX47" y="connsiteY47"/>
+              </a:cxn>
+              <a:cxn ang="0">
+                <a:pos x="connsiteX48" y="connsiteY48"/>
+              </a:cxn>
+              <a:cxn ang="0">
+                <a:pos x="connsiteX49" y="connsiteY49"/>
+              </a:cxn>
+              <a:cxn ang="0">
+                <a:pos x="connsiteX50" y="connsiteY50"/>
+              </a:cxn>
+              <a:cxn ang="0">
+                <a:pos x="connsiteX51" y="connsiteY51"/>
+              </a:cxn>
+              <a:cxn ang="0">
+                <a:pos x="connsiteX52" y="connsiteY52"/>
+              </a:cxn>
+              <a:cxn ang="0">
+                <a:pos x="connsiteX53" y="connsiteY53"/>
+              </a:cxn>
+              <a:cxn ang="0">
+                <a:pos x="connsiteX54" y="connsiteY54"/>
+              </a:cxn>
+              <a:cxn ang="0">
+                <a:pos x="connsiteX55" y="connsiteY55"/>
+              </a:cxn>
+              <a:cxn ang="0">
+                <a:pos x="connsiteX56" y="connsiteY56"/>
+              </a:cxn>
+              <a:cxn ang="0">
+                <a:pos x="connsiteX57" y="connsiteY57"/>
+              </a:cxn>
+              <a:cxn ang="0">
+                <a:pos x="connsiteX58" y="connsiteY58"/>
+              </a:cxn>
+              <a:cxn ang="0">
+                <a:pos x="connsiteX59" y="connsiteY59"/>
+              </a:cxn>
+              <a:cxn ang="0">
+                <a:pos x="connsiteX60" y="connsiteY60"/>
+              </a:cxn>
+              <a:cxn ang="0">
+                <a:pos x="connsiteX61" y="connsiteY61"/>
+              </a:cxn>
+              <a:cxn ang="0">
+                <a:pos x="connsiteX62" y="connsiteY62"/>
+              </a:cxn>
+              <a:cxn ang="0">
+                <a:pos x="connsiteX63" y="connsiteY63"/>
+              </a:cxn>
+              <a:cxn ang="0">
+                <a:pos x="connsiteX64" y="connsiteY64"/>
+              </a:cxn>
+              <a:cxn ang="0">
+                <a:pos x="connsiteX65" y="connsiteY65"/>
+              </a:cxn>
+              <a:cxn ang="0">
+                <a:pos x="connsiteX66" y="connsiteY66"/>
+              </a:cxn>
+              <a:cxn ang="0">
+                <a:pos x="connsiteX67" y="connsiteY67"/>
+              </a:cxn>
+              <a:cxn ang="0">
+                <a:pos x="connsiteX68" y="connsiteY68"/>
+              </a:cxn>
+              <a:cxn ang="0">
+                <a:pos x="connsiteX69" y="connsiteY69"/>
+              </a:cxn>
+              <a:cxn ang="0">
+                <a:pos x="connsiteX70" y="connsiteY70"/>
+              </a:cxn>
+              <a:cxn ang="0">
+                <a:pos x="connsiteX71" y="connsiteY71"/>
+              </a:cxn>
+              <a:cxn ang="0">
+                <a:pos x="connsiteX72" y="connsiteY72"/>
+              </a:cxn>
+            </a:cxnLst>
+            <a:rect l="l" t="t" r="r" b="b"/>
+            <a:pathLst>
+              <a:path w="4574113" h="3812472">
+                <a:moveTo>
+                  <a:pt x="2768595" y="2476119"/>
+                </a:moveTo>
+                <a:cubicBezTo>
+                  <a:pt x="2768595" y="2476119"/>
+                  <a:pt x="2768595" y="2476119"/>
+                  <a:pt x="3374676" y="2476119"/>
+                </a:cubicBezTo>
+                <a:cubicBezTo>
+                  <a:pt x="3384493" y="2476119"/>
+                  <a:pt x="3394066" y="2477423"/>
+                  <a:pt x="3403209" y="2479909"/>
+                </a:cubicBezTo>
+                <a:lnTo>
+                  <a:pt x="3422833" y="2488137"/>
+                </a:lnTo>
+                <a:lnTo>
+                  <a:pt x="3410840" y="2508879"/>
+                </a:lnTo>
+                <a:cubicBezTo>
+                  <a:pt x="3302401" y="2696426"/>
+                  <a:pt x="3163600" y="2936487"/>
+                  <a:pt x="2985934" y="3243764"/>
+                </a:cubicBezTo>
+                <a:cubicBezTo>
+                  <a:pt x="2933195" y="3334842"/>
+                  <a:pt x="2838263" y="3390890"/>
+                  <a:pt x="2732784" y="3390890"/>
+                </a:cubicBezTo>
+                <a:cubicBezTo>
+                  <a:pt x="2732784" y="3390890"/>
+                  <a:pt x="2732784" y="3390890"/>
+                  <a:pt x="2529297" y="3390890"/>
+                </a:cubicBezTo>
+                <a:lnTo>
+                  <a:pt x="2505559" y="3390890"/>
+                </a:lnTo>
+                <a:lnTo>
+                  <a:pt x="2482907" y="3351884"/>
+                </a:lnTo>
+                <a:cubicBezTo>
+                  <a:pt x="2451367" y="3297569"/>
+                  <a:pt x="2414666" y="3234367"/>
+                  <a:pt x="2371959" y="3160822"/>
+                </a:cubicBezTo>
+                <a:cubicBezTo>
+                  <a:pt x="2352324" y="3128217"/>
+                  <a:pt x="2352324" y="3086483"/>
+                  <a:pt x="2371959" y="3053878"/>
+                </a:cubicBezTo>
+                <a:cubicBezTo>
+                  <a:pt x="2371959" y="3053878"/>
+                  <a:pt x="2371959" y="3053878"/>
+                  <a:pt x="2675654" y="2530895"/>
+                </a:cubicBezTo>
+                <a:cubicBezTo>
+                  <a:pt x="2693981" y="2496986"/>
+                  <a:pt x="2730633" y="2476119"/>
+                  <a:pt x="2768595" y="2476119"/>
+                </a:cubicBezTo>
+                <a:close/>
+                <a:moveTo>
+                  <a:pt x="3909778" y="676847"/>
+                </a:moveTo>
+                <a:cubicBezTo>
+                  <a:pt x="3909778" y="676847"/>
+                  <a:pt x="3909778" y="676847"/>
+                  <a:pt x="4305516" y="676847"/>
+                </a:cubicBezTo>
+                <a:cubicBezTo>
+                  <a:pt x="4331158" y="676847"/>
+                  <a:pt x="4354235" y="690472"/>
+                  <a:pt x="4367056" y="712612"/>
+                </a:cubicBezTo>
+                <a:cubicBezTo>
+                  <a:pt x="4367056" y="712612"/>
+                  <a:pt x="4367056" y="712612"/>
+                  <a:pt x="4564498" y="1054092"/>
+                </a:cubicBezTo>
+                <a:cubicBezTo>
+                  <a:pt x="4577319" y="1075382"/>
+                  <a:pt x="4577319" y="1102632"/>
+                  <a:pt x="4564498" y="1123921"/>
+                </a:cubicBezTo>
+                <a:cubicBezTo>
+                  <a:pt x="4564498" y="1123921"/>
+                  <a:pt x="4564498" y="1123921"/>
+                  <a:pt x="4367056" y="1465401"/>
+                </a:cubicBezTo>
+                <a:cubicBezTo>
+                  <a:pt x="4354235" y="1487542"/>
+                  <a:pt x="4331158" y="1501167"/>
+                  <a:pt x="4305516" y="1501167"/>
+                </a:cubicBezTo>
+                <a:cubicBezTo>
+                  <a:pt x="4305516" y="1501167"/>
+                  <a:pt x="4305516" y="1501167"/>
+                  <a:pt x="3909778" y="1501167"/>
+                </a:cubicBezTo>
+                <a:cubicBezTo>
+                  <a:pt x="3884990" y="1501167"/>
+                  <a:pt x="3861058" y="1487542"/>
+                  <a:pt x="3849091" y="1465401"/>
+                </a:cubicBezTo>
+                <a:cubicBezTo>
+                  <a:pt x="3849091" y="1465401"/>
+                  <a:pt x="3849091" y="1465401"/>
+                  <a:pt x="3650795" y="1123921"/>
+                </a:cubicBezTo>
+                <a:cubicBezTo>
+                  <a:pt x="3637974" y="1102632"/>
+                  <a:pt x="3637974" y="1075382"/>
+                  <a:pt x="3650795" y="1054092"/>
+                </a:cubicBezTo>
+                <a:cubicBezTo>
+                  <a:pt x="3650795" y="1054092"/>
+                  <a:pt x="3650795" y="1054092"/>
+                  <a:pt x="3849091" y="712612"/>
+                </a:cubicBezTo>
+                <a:cubicBezTo>
+                  <a:pt x="3861058" y="690472"/>
+                  <a:pt x="3884990" y="676847"/>
+                  <a:pt x="3909778" y="676847"/>
+                </a:cubicBezTo>
+                <a:close/>
+                <a:moveTo>
+                  <a:pt x="1104892" y="0"/>
+                </a:moveTo>
+                <a:cubicBezTo>
+                  <a:pt x="1104892" y="0"/>
+                  <a:pt x="1104892" y="0"/>
+                  <a:pt x="2732784" y="0"/>
+                </a:cubicBezTo>
+                <a:cubicBezTo>
+                  <a:pt x="2838263" y="0"/>
+                  <a:pt x="2933195" y="56047"/>
+                  <a:pt x="2985934" y="147125"/>
+                </a:cubicBezTo>
+                <a:cubicBezTo>
+                  <a:pt x="2985934" y="147125"/>
+                  <a:pt x="2985934" y="147125"/>
+                  <a:pt x="3798122" y="1551823"/>
+                </a:cubicBezTo>
+                <a:cubicBezTo>
+                  <a:pt x="3850862" y="1639397"/>
+                  <a:pt x="3850862" y="1751493"/>
+                  <a:pt x="3798122" y="1839068"/>
+                </a:cubicBezTo>
+                <a:cubicBezTo>
+                  <a:pt x="3798122" y="1839068"/>
+                  <a:pt x="3798122" y="1839068"/>
+                  <a:pt x="3496551" y="2360642"/>
+                </a:cubicBezTo>
+                <a:lnTo>
+                  <a:pt x="3471135" y="2404597"/>
+                </a:lnTo>
+                <a:lnTo>
+                  <a:pt x="3472029" y="2404972"/>
+                </a:lnTo>
+                <a:cubicBezTo>
+                  <a:pt x="3490302" y="2415638"/>
+                  <a:pt x="3505806" y="2431084"/>
+                  <a:pt x="3516881" y="2450209"/>
+                </a:cubicBezTo>
+                <a:cubicBezTo>
+                  <a:pt x="3516881" y="2450209"/>
+                  <a:pt x="3516881" y="2450209"/>
+                  <a:pt x="3857970" y="3040131"/>
+                </a:cubicBezTo>
+                <a:cubicBezTo>
+                  <a:pt x="3880120" y="3076909"/>
+                  <a:pt x="3880120" y="3123985"/>
+                  <a:pt x="3857970" y="3160764"/>
+                </a:cubicBezTo>
+                <a:cubicBezTo>
+                  <a:pt x="3857970" y="3160764"/>
+                  <a:pt x="3857970" y="3160764"/>
+                  <a:pt x="3516881" y="3750684"/>
+                </a:cubicBezTo>
+                <a:cubicBezTo>
+                  <a:pt x="3494732" y="3788933"/>
+                  <a:pt x="3454864" y="3812472"/>
+                  <a:pt x="3410567" y="3812472"/>
+                </a:cubicBezTo>
+                <a:cubicBezTo>
+                  <a:pt x="3410567" y="3812472"/>
+                  <a:pt x="3410567" y="3812472"/>
+                  <a:pt x="2726911" y="3812472"/>
+                </a:cubicBezTo>
+                <a:cubicBezTo>
+                  <a:pt x="2684090" y="3812472"/>
+                  <a:pt x="2642747" y="3788933"/>
+                  <a:pt x="2622074" y="3750684"/>
+                </a:cubicBezTo>
+                <a:cubicBezTo>
+                  <a:pt x="2622074" y="3750684"/>
+                  <a:pt x="2622074" y="3750684"/>
+                  <a:pt x="2438330" y="3434265"/>
+                </a:cubicBezTo>
+                <a:lnTo>
+                  <a:pt x="2417573" y="3398519"/>
+                </a:lnTo>
+                <a:lnTo>
+                  <a:pt x="2433905" y="3398519"/>
+                </a:lnTo>
+                <a:lnTo>
+                  <a:pt x="2511101" y="3398519"/>
+                </a:lnTo>
+                <a:lnTo>
+                  <a:pt x="2544636" y="3456269"/>
+                </a:lnTo>
+                <a:cubicBezTo>
+                  <a:pt x="2672757" y="3676902"/>
+                  <a:pt x="2672757" y="3676902"/>
+                  <a:pt x="2672757" y="3676902"/>
+                </a:cubicBezTo>
+                <a:cubicBezTo>
+                  <a:pt x="2691084" y="3710811"/>
+                  <a:pt x="2727737" y="3731679"/>
+                  <a:pt x="2765699" y="3731679"/>
+                </a:cubicBezTo>
+                <a:cubicBezTo>
+                  <a:pt x="3371780" y="3731679"/>
+                  <a:pt x="3371780" y="3731679"/>
+                  <a:pt x="3371780" y="3731679"/>
+                </a:cubicBezTo>
+                <a:cubicBezTo>
+                  <a:pt x="3411050" y="3731679"/>
+                  <a:pt x="3446394" y="3710811"/>
+                  <a:pt x="3466029" y="3676902"/>
+                </a:cubicBezTo>
+                <a:cubicBezTo>
+                  <a:pt x="3768415" y="3153920"/>
+                  <a:pt x="3768415" y="3153920"/>
+                  <a:pt x="3768415" y="3153920"/>
+                </a:cubicBezTo>
+                <a:cubicBezTo>
+                  <a:pt x="3788051" y="3121314"/>
+                  <a:pt x="3788051" y="3079580"/>
+                  <a:pt x="3768415" y="3046975"/>
+                </a:cubicBezTo>
+                <a:cubicBezTo>
+                  <a:pt x="3466029" y="2523992"/>
+                  <a:pt x="3466029" y="2523992"/>
+                  <a:pt x="3466029" y="2523992"/>
+                </a:cubicBezTo>
+                <a:cubicBezTo>
+                  <a:pt x="3456211" y="2507037"/>
+                  <a:pt x="3442467" y="2493343"/>
+                  <a:pt x="3426268" y="2483888"/>
+                </a:cubicBezTo>
+                <a:lnTo>
+                  <a:pt x="3421667" y="2481960"/>
+                </a:lnTo>
+                <a:lnTo>
+                  <a:pt x="3446331" y="2439303"/>
+                </a:lnTo>
+                <a:lnTo>
+                  <a:pt x="3464674" y="2407578"/>
+                </a:lnTo>
+                <a:lnTo>
+                  <a:pt x="3445649" y="2399601"/>
+                </a:lnTo>
+                <a:cubicBezTo>
+                  <a:pt x="3435335" y="2396796"/>
+                  <a:pt x="3424538" y="2395325"/>
+                  <a:pt x="3413464" y="2395325"/>
+                </a:cubicBezTo>
+                <a:cubicBezTo>
+                  <a:pt x="2729808" y="2395325"/>
+                  <a:pt x="2729808" y="2395325"/>
+                  <a:pt x="2729808" y="2395325"/>
+                </a:cubicBezTo>
+                <a:cubicBezTo>
+                  <a:pt x="2686987" y="2395325"/>
+                  <a:pt x="2645644" y="2418863"/>
+                  <a:pt x="2624971" y="2457112"/>
+                </a:cubicBezTo>
+                <a:cubicBezTo>
+                  <a:pt x="2282405" y="3047034"/>
+                  <a:pt x="2282405" y="3047034"/>
+                  <a:pt x="2282405" y="3047034"/>
+                </a:cubicBezTo>
+                <a:cubicBezTo>
+                  <a:pt x="2260256" y="3083811"/>
+                  <a:pt x="2260256" y="3130887"/>
+                  <a:pt x="2282405" y="3167666"/>
+                </a:cubicBezTo>
+                <a:cubicBezTo>
+                  <a:pt x="2325225" y="3241406"/>
+                  <a:pt x="2362693" y="3305929"/>
+                  <a:pt x="2395478" y="3362386"/>
+                </a:cubicBezTo>
+                <a:lnTo>
+                  <a:pt x="2412031" y="3390890"/>
+                </a:lnTo>
+                <a:lnTo>
+                  <a:pt x="2335350" y="3390890"/>
+                </a:lnTo>
+                <a:cubicBezTo>
+                  <a:pt x="2096889" y="3390890"/>
+                  <a:pt x="1715352" y="3390890"/>
+                  <a:pt x="1104892" y="3390890"/>
+                </a:cubicBezTo>
+                <a:cubicBezTo>
+                  <a:pt x="1002929" y="3390890"/>
+                  <a:pt x="904482" y="3334842"/>
+                  <a:pt x="855258" y="3243764"/>
+                </a:cubicBezTo>
+                <a:cubicBezTo>
+                  <a:pt x="855258" y="3243764"/>
+                  <a:pt x="855258" y="3243764"/>
+                  <a:pt x="39555" y="1839068"/>
+                </a:cubicBezTo>
+                <a:cubicBezTo>
+                  <a:pt x="-13185" y="1751493"/>
+                  <a:pt x="-13185" y="1639397"/>
+                  <a:pt x="39555" y="1551823"/>
+                </a:cubicBezTo>
+                <a:cubicBezTo>
+                  <a:pt x="39555" y="1551823"/>
+                  <a:pt x="39555" y="1551823"/>
+                  <a:pt x="855258" y="147125"/>
+                </a:cubicBezTo>
+                <a:cubicBezTo>
+                  <a:pt x="904482" y="56047"/>
+                  <a:pt x="1002929" y="0"/>
+                  <a:pt x="1104892" y="0"/>
+                </a:cubicBezTo>
+                <a:close/>
+              </a:path>
+            </a:pathLst>
+          </a:custGeom>
+          <a:solidFill>
+            <a:schemeClr val="tx1"/>
+          </a:solidFill>
+          <a:ln>
+            <a:noFill/>
+          </a:ln>
+        </p:spPr>
+        <p:style>
+          <a:lnRef idx="2">
+            <a:schemeClr val="accent1">
+              <a:shade val="50000"/>
+            </a:schemeClr>
+          </a:lnRef>
+          <a:fillRef idx="1">
+            <a:schemeClr val="accent1"/>
+          </a:fillRef>
+          <a:effectRef idx="0">
+            <a:schemeClr val="accent1"/>
+          </a:effectRef>
+          <a:fontRef idx="minor">
+            <a:schemeClr val="lt1"/>
+          </a:fontRef>
+        </p:style>
+        <p:txBody>
+          <a:bodyPr wrap="square" rtlCol="0" anchor="ctr">
+            <a:noAutofit/>
+          </a:bodyPr>
+          <a:lstStyle/>
+          <a:p>
+            <a:pPr algn="ctr"/>
+            <a:endParaRPr lang="en-US">
+              <a:solidFill>
+                <a:schemeClr val="tx1"/>
+              </a:solidFill>
+            </a:endParaRPr>
+          </a:p>
+        </p:txBody>
+      </p:sp>
+      <p:sp>
+        <p:nvSpPr>
+          <p:cNvPr id="7" name="CaixaDeTexto 6">
+            <a:extLst>
+              <a:ext uri="{FF2B5EF4-FFF2-40B4-BE49-F238E27FC236}">
+                <a16:creationId xmlns:a16="http://schemas.microsoft.com/office/drawing/2014/main" id="{49482D51-1BF4-45CB-BE3C-5790F0F4737E}"/>
+              </a:ext>
+            </a:extLst>
+          </p:cNvPr>
+          <p:cNvSpPr txBox="1"/>
+          <p:nvPr/>
+        </p:nvSpPr>
+        <p:spPr>
+          <a:xfrm>
+            <a:off x="1273923" y="2383976"/>
+            <a:ext cx="3754363" cy="1792224"/>
+          </a:xfrm>
+          <a:prstGeom prst="rect">
+            <a:avLst/>
+          </a:prstGeom>
+        </p:spPr>
+        <p:txBody>
+          <a:bodyPr vert="horz" lIns="91440" tIns="45720" rIns="91440" bIns="45720" rtlCol="0" anchor="b">
+            <a:normAutofit/>
+          </a:bodyPr>
+          <a:lstStyle/>
+          <a:p>
+            <a:pPr algn="ctr">
+              <a:lnSpc>
+                <a:spcPct val="90000"/>
+              </a:lnSpc>
+              <a:spcBef>
+                <a:spcPct val="0"/>
+              </a:spcBef>
+              <a:spcAft>
+                <a:spcPts val="600"/>
+              </a:spcAft>
+            </a:pPr>
+            <a:r>
+              <a:rPr lang="en-US" sz="4100" kern="1200" dirty="0">
+                <a:solidFill>
+                  <a:schemeClr val="bg1"/>
+                </a:solidFill>
+                <a:latin typeface="+mj-lt"/>
+                <a:ea typeface="+mj-ea"/>
+                <a:cs typeface="+mj-cs"/>
+              </a:rPr>
+              <a:t>O.B.R.I.G.A.D.O POR SUA ATENÇÃO</a:t>
+            </a:r>
+          </a:p>
+        </p:txBody>
+      </p:sp>
+      <p:pic>
+        <p:nvPicPr>
+          <p:cNvPr id="6" name="Gráfico 5" descr="Mãos aplaudindo">
+            <a:extLst>
+              <a:ext uri="{FF2B5EF4-FFF2-40B4-BE49-F238E27FC236}">
+                <a16:creationId xmlns:a16="http://schemas.microsoft.com/office/drawing/2014/main" id="{65472CF5-CAB2-4A0C-8515-9C230AAF903A}"/>
+              </a:ext>
+            </a:extLst>
+          </p:cNvPr>
+          <p:cNvPicPr>
+            <a:picLocks noChangeAspect="1"/>
+          </p:cNvPicPr>
+          <p:nvPr/>
+        </p:nvPicPr>
+        <p:blipFill>
+          <a:blip r:embed="rId2">
+            <a:extLst>
+              <a:ext uri="{28A0092B-C50C-407E-A947-70E740481C1C}">
+                <a14:useLocalDpi xmlns:a14="http://schemas.microsoft.com/office/drawing/2010/main" val="0"/>
+              </a:ext>
+              <a:ext uri="{96DAC541-7B7A-43D3-8B79-37D633B846F1}">
+                <asvg:svgBlip xmlns:asvg="http://schemas.microsoft.com/office/drawing/2016/SVG/main" r:embed="rId3"/>
+              </a:ext>
+            </a:extLst>
+          </a:blip>
+          <a:stretch>
+            <a:fillRect/>
+          </a:stretch>
+        </p:blipFill>
+        <p:spPr>
+          <a:xfrm>
+            <a:off x="7139878" y="1073777"/>
+            <a:ext cx="4412623" cy="4412623"/>
+          </a:xfrm>
+          <a:prstGeom prst="rect">
+            <a:avLst/>
+          </a:prstGeom>
+        </p:spPr>
+      </p:pic>
+      <p:pic>
+        <p:nvPicPr>
+          <p:cNvPr id="9" name="Imagem 8" descr="Logotipo&#10;&#10;Descrição gerada automaticamente">
+            <a:extLst>
+              <a:ext uri="{FF2B5EF4-FFF2-40B4-BE49-F238E27FC236}">
+                <a16:creationId xmlns:a16="http://schemas.microsoft.com/office/drawing/2014/main" id="{E671640E-E060-4A56-9600-6C8111E27B99}"/>
+              </a:ext>
+            </a:extLst>
+          </p:cNvPr>
+          <p:cNvPicPr>
+            <a:picLocks noChangeAspect="1"/>
+          </p:cNvPicPr>
+          <p:nvPr/>
+        </p:nvPicPr>
+        <p:blipFill>
+          <a:blip r:embed="rId4">
+            <a:extLst>
+              <a:ext uri="{28A0092B-C50C-407E-A947-70E740481C1C}">
+                <a14:useLocalDpi xmlns:a14="http://schemas.microsoft.com/office/drawing/2010/main" val="0"/>
+              </a:ext>
+            </a:extLst>
+          </a:blip>
+          <a:stretch>
+            <a:fillRect/>
+          </a:stretch>
+        </p:blipFill>
+        <p:spPr>
+          <a:xfrm>
+            <a:off x="11454435" y="6160087"/>
+            <a:ext cx="570021" cy="559903"/>
+          </a:xfrm>
+          <a:prstGeom prst="rect">
+            <a:avLst/>
+          </a:prstGeom>
+          <a:effectLst>
+            <a:outerShdw blurRad="177800" dir="8280000" algn="ctr" rotWithShape="0">
+              <a:schemeClr val="tx1"/>
+            </a:outerShdw>
+            <a:reflection endPos="0" dist="50800" dir="5400000" sy="-100000" algn="bl" rotWithShape="0"/>
+          </a:effectLst>
+        </p:spPr>
+      </p:pic>
+    </p:spTree>
+    <p:extLst>
+      <p:ext uri="{BB962C8B-B14F-4D97-AF65-F5344CB8AC3E}">
+        <p14:creationId xmlns:p14="http://schemas.microsoft.com/office/powerpoint/2010/main" val="427558910"/>
+      </p:ext>
+    </p:extLst>
+  </p:cSld>
+  <p:clrMapOvr>
+    <a:masterClrMapping/>
+  </p:clrMapOvr>
+  <p:timing>
+    <p:tnLst>
+      <p:par>
+        <p:cTn id="1" dur="indefinite" restart="never" nodeType="tmRoot">
+          <p:childTnLst>
+            <p:seq concurrent="1" nextAc="seek">
+              <p:cTn id="2" dur="indefinite" nodeType="mainSeq">
+                <p:childTnLst>
+                  <p:par>
+                    <p:cTn id="3" fill="hold">
+                      <p:stCondLst>
+                        <p:cond delay="indefinite"/>
+                        <p:cond evt="onBegin" delay="0">
+                          <p:tn val="2"/>
+                        </p:cond>
+                      </p:stCondLst>
+                      <p:childTnLst>
+                        <p:par>
+                          <p:cTn id="4" fill="hold">
+                            <p:stCondLst>
+                              <p:cond delay="0"/>
+                            </p:stCondLst>
+                            <p:childTnLst>
+                              <p:par>
+                                <p:cTn id="5" presetID="10" presetClass="entr" presetSubtype="0" fill="hold" nodeType="withEffect">
+                                  <p:stCondLst>
+                                    <p:cond delay="0"/>
+                                  </p:stCondLst>
+                                  <p:childTnLst>
+                                    <p:set>
+                                      <p:cBhvr>
+                                        <p:cTn id="6" dur="1" fill="hold">
+                                          <p:stCondLst>
+                                            <p:cond delay="0"/>
+                                          </p:stCondLst>
+                                        </p:cTn>
+                                        <p:tgtEl>
+                                          <p:spTgt spid="9"/>
+                                        </p:tgtEl>
+                                        <p:attrNameLst>
+                                          <p:attrName>style.visibility</p:attrName>
+                                        </p:attrNameLst>
+                                      </p:cBhvr>
+                                      <p:to>
+                                        <p:strVal val="visible"/>
+                                      </p:to>
+                                    </p:set>
+                                    <p:animEffect transition="in" filter="fade">
+                                      <p:cBhvr>
+                                        <p:cTn id="7" dur="500"/>
+                                        <p:tgtEl>
+                                          <p:spTgt spid="9"/>
+                                        </p:tgtEl>
+                                      </p:cBhvr>
+                                    </p:animEffect>
+                                  </p:childTnLst>
+                                </p:cTn>
+                              </p:par>
+                            </p:childTnLst>
+                          </p:cTn>
+                        </p:par>
+                      </p:childTnLst>
+                    </p:cTn>
+                  </p:par>
+                </p:childTnLst>
+              </p:cTn>
+              <p:prevCondLst>
+                <p:cond evt="onPrev" delay="0">
+                  <p:tgtEl>
+                    <p:sldTgt/>
+                  </p:tgtEl>
+                </p:cond>
+              </p:prevCondLst>
+              <p:nextCondLst>
+                <p:cond evt="onNext" delay="0">
+                  <p:tgtEl>
+                    <p:sldTgt/>
+                  </p:tgtEl>
+                </p:cond>
+              </p:nextCondLst>
+            </p:seq>
+          </p:childTnLst>
+        </p:cTn>
+      </p:par>
+    </p:tnLst>
+  </p:timing>
+</p:sld>
+</file>
+
 <file path=ppt/slides/slide2.xml><?xml version="1.0" encoding="utf-8"?>
 <p:sld xmlns:a="http://schemas.openxmlformats.org/drawingml/2006/main" xmlns:r="http://schemas.openxmlformats.org/officeDocument/2006/relationships" xmlns:p="http://schemas.openxmlformats.org/presentationml/2006/main">
   <p:cSld>
@@ -10990,7 +12084,7 @@
         </p:blipFill>
         <p:spPr bwMode="auto">
           <a:xfrm>
-            <a:off x="9713850" y="1514387"/>
+            <a:off x="9443893" y="1684955"/>
             <a:ext cx="1139191" cy="949326"/>
           </a:xfrm>
           <a:prstGeom prst="rect">
@@ -11037,7 +12131,7 @@
         </p:blipFill>
         <p:spPr bwMode="auto">
           <a:xfrm>
-            <a:off x="8966501" y="2629611"/>
+            <a:off x="8538577" y="2944421"/>
             <a:ext cx="984417" cy="873958"/>
           </a:xfrm>
           <a:prstGeom prst="rect">
@@ -11084,8 +12178,8 @@
         </p:blipFill>
         <p:spPr bwMode="auto">
           <a:xfrm>
-            <a:off x="6607966" y="5173046"/>
-            <a:ext cx="1304088" cy="1282418"/>
+            <a:off x="6172784" y="5691116"/>
+            <a:ext cx="1050116" cy="1032666"/>
           </a:xfrm>
           <a:prstGeom prst="rect">
             <a:avLst/>
@@ -11131,7 +12225,7 @@
         </p:blipFill>
         <p:spPr bwMode="auto">
           <a:xfrm>
-            <a:off x="8025674" y="3669467"/>
+            <a:off x="7404627" y="4282662"/>
             <a:ext cx="1041327" cy="1041327"/>
           </a:xfrm>
           <a:prstGeom prst="rect">
@@ -11170,7 +12264,7 @@
         </p:nvSpPr>
         <p:spPr>
           <a:xfrm>
-            <a:off x="8264524" y="3631917"/>
+            <a:off x="7643477" y="4195255"/>
             <a:ext cx="1800416" cy="1323439"/>
           </a:xfrm>
           <a:prstGeom prst="rect">
@@ -11191,6 +12285,317 @@
           </a:p>
         </p:txBody>
       </p:sp>
+      <p:grpSp>
+        <p:nvGrpSpPr>
+          <p:cNvPr id="15" name="Agrupar 14">
+            <a:extLst>
+              <a:ext uri="{FF2B5EF4-FFF2-40B4-BE49-F238E27FC236}">
+                <a16:creationId xmlns:a16="http://schemas.microsoft.com/office/drawing/2014/main" id="{B3C68E00-8ED4-4CB4-99E2-29613C9AAF5A}"/>
+              </a:ext>
+            </a:extLst>
+          </p:cNvPr>
+          <p:cNvGrpSpPr/>
+          <p:nvPr/>
+        </p:nvGrpSpPr>
+        <p:grpSpPr>
+          <a:xfrm>
+            <a:off x="9715733" y="2993143"/>
+            <a:ext cx="1385299" cy="1076447"/>
+            <a:chOff x="9655601" y="4096599"/>
+            <a:chExt cx="1385299" cy="1076447"/>
+          </a:xfrm>
+        </p:grpSpPr>
+        <p:pic>
+          <p:nvPicPr>
+            <p:cNvPr id="1026" name="Picture 2">
+              <a:extLst>
+                <a:ext uri="{FF2B5EF4-FFF2-40B4-BE49-F238E27FC236}">
+                  <a16:creationId xmlns:a16="http://schemas.microsoft.com/office/drawing/2014/main" id="{26752D16-E215-4D86-8B70-50FC29609E2D}"/>
+                </a:ext>
+              </a:extLst>
+            </p:cNvPr>
+            <p:cNvPicPr>
+              <a:picLocks noChangeAspect="1" noChangeArrowheads="1"/>
+            </p:cNvPicPr>
+            <p:nvPr/>
+          </p:nvPicPr>
+          <p:blipFill>
+            <a:blip r:embed="rId8">
+              <a:extLst>
+                <a:ext uri="{28A0092B-C50C-407E-A947-70E740481C1C}">
+                  <a14:useLocalDpi xmlns:a14="http://schemas.microsoft.com/office/drawing/2010/main" val="0"/>
+                </a:ext>
+              </a:extLst>
+            </a:blip>
+            <a:srcRect/>
+            <a:stretch>
+              <a:fillRect/>
+            </a:stretch>
+          </p:blipFill>
+          <p:spPr bwMode="auto">
+            <a:xfrm>
+              <a:off x="9655601" y="4096599"/>
+              <a:ext cx="1385299" cy="1049834"/>
+            </a:xfrm>
+            <a:prstGeom prst="rect">
+              <a:avLst/>
+            </a:prstGeom>
+            <a:noFill/>
+            <a:extLst>
+              <a:ext uri="{909E8E84-426E-40DD-AFC4-6F175D3DCCD1}">
+                <a14:hiddenFill xmlns:a14="http://schemas.microsoft.com/office/drawing/2010/main">
+                  <a:solidFill>
+                    <a:srgbClr val="FFFFFF"/>
+                  </a:solidFill>
+                </a14:hiddenFill>
+              </a:ext>
+            </a:extLst>
+          </p:spPr>
+        </p:pic>
+        <p:pic>
+          <p:nvPicPr>
+            <p:cNvPr id="8" name="Gráfico 7" descr="Ponto de exclamação">
+              <a:extLst>
+                <a:ext uri="{FF2B5EF4-FFF2-40B4-BE49-F238E27FC236}">
+                  <a16:creationId xmlns:a16="http://schemas.microsoft.com/office/drawing/2014/main" id="{1AFA0CD8-11C4-4433-9D6D-697983F27942}"/>
+                </a:ext>
+              </a:extLst>
+            </p:cNvPr>
+            <p:cNvPicPr>
+              <a:picLocks noChangeAspect="1"/>
+            </p:cNvPicPr>
+            <p:nvPr/>
+          </p:nvPicPr>
+          <p:blipFill>
+            <a:blip r:embed="rId9">
+              <a:extLst>
+                <a:ext uri="{28A0092B-C50C-407E-A947-70E740481C1C}">
+                  <a14:useLocalDpi xmlns:a14="http://schemas.microsoft.com/office/drawing/2010/main" val="0"/>
+                </a:ext>
+                <a:ext uri="{96DAC541-7B7A-43D3-8B79-37D633B846F1}">
+                  <asvg:svgBlip xmlns:asvg="http://schemas.microsoft.com/office/drawing/2016/SVG/main" r:embed="rId10"/>
+                </a:ext>
+              </a:extLst>
+            </a:blip>
+            <a:stretch>
+              <a:fillRect/>
+            </a:stretch>
+          </p:blipFill>
+          <p:spPr>
+            <a:xfrm>
+              <a:off x="9860070" y="4258646"/>
+              <a:ext cx="914400" cy="914400"/>
+            </a:xfrm>
+            <a:prstGeom prst="rect">
+              <a:avLst/>
+            </a:prstGeom>
+          </p:spPr>
+        </p:pic>
+      </p:grpSp>
+      <p:grpSp>
+        <p:nvGrpSpPr>
+          <p:cNvPr id="17" name="Agrupar 16">
+            <a:extLst>
+              <a:ext uri="{FF2B5EF4-FFF2-40B4-BE49-F238E27FC236}">
+                <a16:creationId xmlns:a16="http://schemas.microsoft.com/office/drawing/2014/main" id="{BC769839-D8F0-4B4E-AF3F-DDB86844AC1A}"/>
+              </a:ext>
+            </a:extLst>
+          </p:cNvPr>
+          <p:cNvGrpSpPr/>
+          <p:nvPr/>
+        </p:nvGrpSpPr>
+        <p:grpSpPr>
+          <a:xfrm>
+            <a:off x="8786082" y="4160128"/>
+            <a:ext cx="1814889" cy="1500393"/>
+            <a:chOff x="2867287" y="1518611"/>
+            <a:chExt cx="1814889" cy="1500393"/>
+          </a:xfrm>
+        </p:grpSpPr>
+        <p:pic>
+          <p:nvPicPr>
+            <p:cNvPr id="1030" name="Picture 6">
+              <a:extLst>
+                <a:ext uri="{FF2B5EF4-FFF2-40B4-BE49-F238E27FC236}">
+                  <a16:creationId xmlns:a16="http://schemas.microsoft.com/office/drawing/2014/main" id="{4E0EAE6D-0B66-4862-9872-C9DE9016F194}"/>
+                </a:ext>
+              </a:extLst>
+            </p:cNvPr>
+            <p:cNvPicPr>
+              <a:picLocks noChangeAspect="1" noChangeArrowheads="1"/>
+            </p:cNvPicPr>
+            <p:nvPr/>
+          </p:nvPicPr>
+          <p:blipFill>
+            <a:blip r:embed="rId11">
+              <a:extLst>
+                <a:ext uri="{28A0092B-C50C-407E-A947-70E740481C1C}">
+                  <a14:useLocalDpi xmlns:a14="http://schemas.microsoft.com/office/drawing/2010/main" val="0"/>
+                </a:ext>
+              </a:extLst>
+            </a:blip>
+            <a:srcRect/>
+            <a:stretch>
+              <a:fillRect/>
+            </a:stretch>
+          </p:blipFill>
+          <p:spPr bwMode="auto">
+            <a:xfrm rot="12619343">
+              <a:off x="2867287" y="1703366"/>
+              <a:ext cx="1315638" cy="1315638"/>
+            </a:xfrm>
+            <a:prstGeom prst="rect">
+              <a:avLst/>
+            </a:prstGeom>
+            <a:noFill/>
+            <a:extLst>
+              <a:ext uri="{909E8E84-426E-40DD-AFC4-6F175D3DCCD1}">
+                <a14:hiddenFill xmlns:a14="http://schemas.microsoft.com/office/drawing/2010/main">
+                  <a:solidFill>
+                    <a:srgbClr val="FFFFFF"/>
+                  </a:solidFill>
+                </a14:hiddenFill>
+              </a:ext>
+            </a:extLst>
+          </p:spPr>
+        </p:pic>
+        <p:sp>
+          <p:nvSpPr>
+            <p:cNvPr id="16" name="Retângulo 15">
+              <a:extLst>
+                <a:ext uri="{FF2B5EF4-FFF2-40B4-BE49-F238E27FC236}">
+                  <a16:creationId xmlns:a16="http://schemas.microsoft.com/office/drawing/2014/main" id="{A193C60F-78AE-4623-BD56-E8786967FD3E}"/>
+                </a:ext>
+              </a:extLst>
+            </p:cNvPr>
+            <p:cNvSpPr/>
+            <p:nvPr/>
+          </p:nvSpPr>
+          <p:spPr>
+            <a:xfrm>
+              <a:off x="3172571" y="1518611"/>
+              <a:ext cx="1509605" cy="1323439"/>
+            </a:xfrm>
+            <a:prstGeom prst="rect">
+              <a:avLst/>
+            </a:prstGeom>
+          </p:spPr>
+          <p:txBody>
+            <a:bodyPr wrap="square">
+              <a:spAutoFit/>
+            </a:bodyPr>
+            <a:lstStyle/>
+            <a:p>
+              <a:r>
+                <a:rPr lang="pt-BR" sz="8000" dirty="0"/>
+                <a:t>!</a:t>
+              </a:r>
+            </a:p>
+          </p:txBody>
+        </p:sp>
+      </p:grpSp>
+      <p:grpSp>
+        <p:nvGrpSpPr>
+          <p:cNvPr id="20" name="Agrupar 19">
+            <a:extLst>
+              <a:ext uri="{FF2B5EF4-FFF2-40B4-BE49-F238E27FC236}">
+                <a16:creationId xmlns:a16="http://schemas.microsoft.com/office/drawing/2014/main" id="{9DA2F06B-3BDC-4941-B541-C60388C0EF46}"/>
+              </a:ext>
+            </a:extLst>
+          </p:cNvPr>
+          <p:cNvGrpSpPr/>
+          <p:nvPr/>
+        </p:nvGrpSpPr>
+        <p:grpSpPr>
+          <a:xfrm>
+            <a:off x="10175036" y="1511465"/>
+            <a:ext cx="2039865" cy="1481677"/>
+            <a:chOff x="9512788" y="5468253"/>
+            <a:chExt cx="1960642" cy="1446550"/>
+          </a:xfrm>
+        </p:grpSpPr>
+        <p:pic>
+          <p:nvPicPr>
+            <p:cNvPr id="1032" name="Picture 8">
+              <a:extLst>
+                <a:ext uri="{FF2B5EF4-FFF2-40B4-BE49-F238E27FC236}">
+                  <a16:creationId xmlns:a16="http://schemas.microsoft.com/office/drawing/2014/main" id="{4DD53F67-10EA-4C98-8A0A-517B37F04B74}"/>
+                </a:ext>
+              </a:extLst>
+            </p:cNvPr>
+            <p:cNvPicPr>
+              <a:picLocks noChangeAspect="1" noChangeArrowheads="1"/>
+            </p:cNvPicPr>
+            <p:nvPr/>
+          </p:nvPicPr>
+          <p:blipFill>
+            <a:blip r:embed="rId12">
+              <a:extLst>
+                <a:ext uri="{28A0092B-C50C-407E-A947-70E740481C1C}">
+                  <a14:useLocalDpi xmlns:a14="http://schemas.microsoft.com/office/drawing/2010/main" val="0"/>
+                </a:ext>
+              </a:extLst>
+            </a:blip>
+            <a:srcRect/>
+            <a:stretch>
+              <a:fillRect/>
+            </a:stretch>
+          </p:blipFill>
+          <p:spPr bwMode="auto">
+            <a:xfrm>
+              <a:off x="9512788" y="5545174"/>
+              <a:ext cx="1960642" cy="1134009"/>
+            </a:xfrm>
+            <a:prstGeom prst="rect">
+              <a:avLst/>
+            </a:prstGeom>
+            <a:noFill/>
+            <a:extLst>
+              <a:ext uri="{909E8E84-426E-40DD-AFC4-6F175D3DCCD1}">
+                <a14:hiddenFill xmlns:a14="http://schemas.microsoft.com/office/drawing/2010/main">
+                  <a:solidFill>
+                    <a:srgbClr val="FFFFFF"/>
+                  </a:solidFill>
+                </a14:hiddenFill>
+              </a:ext>
+            </a:extLst>
+          </p:spPr>
+        </p:pic>
+        <p:sp>
+          <p:nvSpPr>
+            <p:cNvPr id="18" name="Retângulo 17">
+              <a:extLst>
+                <a:ext uri="{FF2B5EF4-FFF2-40B4-BE49-F238E27FC236}">
+                  <a16:creationId xmlns:a16="http://schemas.microsoft.com/office/drawing/2014/main" id="{21D8B61C-5FF1-416F-A923-07A3F3FA6F80}"/>
+                </a:ext>
+              </a:extLst>
+            </p:cNvPr>
+            <p:cNvSpPr/>
+            <p:nvPr/>
+          </p:nvSpPr>
+          <p:spPr>
+            <a:xfrm>
+              <a:off x="10211030" y="5468253"/>
+              <a:ext cx="551754" cy="1446550"/>
+            </a:xfrm>
+            <a:prstGeom prst="rect">
+              <a:avLst/>
+            </a:prstGeom>
+          </p:spPr>
+          <p:txBody>
+            <a:bodyPr wrap="none">
+              <a:spAutoFit/>
+            </a:bodyPr>
+            <a:lstStyle/>
+            <a:p>
+              <a:r>
+                <a:rPr lang="pt-BR" sz="8800" dirty="0"/>
+                <a:t>!</a:t>
+              </a:r>
+            </a:p>
+          </p:txBody>
+        </p:sp>
+      </p:grpSp>
     </p:spTree>
     <p:extLst>
       <p:ext uri="{BB962C8B-B14F-4D97-AF65-F5344CB8AC3E}">
@@ -11447,7 +12852,7 @@
                             </p:stCondLst>
                             <p:childTnLst>
                               <p:par>
-                                <p:cTn id="23" presetID="42" presetClass="entr" presetSubtype="0" fill="hold" nodeType="clickEffect">
+                                <p:cTn id="23" presetID="2" presetClass="entr" presetSubtype="4" fill="hold" nodeType="clickEffect">
                                   <p:stCondLst>
                                     <p:cond delay="0"/>
                                   </p:stCondLst>
@@ -11455,6 +12860,97 @@
                                     <p:set>
                                       <p:cBhvr>
                                         <p:cTn id="24" dur="1" fill="hold">
+                                          <p:stCondLst>
+                                            <p:cond delay="0"/>
+                                          </p:stCondLst>
+                                        </p:cTn>
+                                        <p:tgtEl>
+                                          <p:spTgt spid="20"/>
+                                        </p:tgtEl>
+                                        <p:attrNameLst>
+                                          <p:attrName>style.visibility</p:attrName>
+                                        </p:attrNameLst>
+                                      </p:cBhvr>
+                                      <p:to>
+                                        <p:strVal val="visible"/>
+                                      </p:to>
+                                    </p:set>
+                                    <p:anim calcmode="lin" valueType="num">
+                                      <p:cBhvr additive="base">
+                                        <p:cTn id="25" dur="500" fill="hold"/>
+                                        <p:tgtEl>
+                                          <p:spTgt spid="20"/>
+                                        </p:tgtEl>
+                                        <p:attrNameLst>
+                                          <p:attrName>ppt_x</p:attrName>
+                                        </p:attrNameLst>
+                                      </p:cBhvr>
+                                      <p:tavLst>
+                                        <p:tav tm="0">
+                                          <p:val>
+                                            <p:strVal val="#ppt_x"/>
+                                          </p:val>
+                                        </p:tav>
+                                        <p:tav tm="100000">
+                                          <p:val>
+                                            <p:strVal val="#ppt_x"/>
+                                          </p:val>
+                                        </p:tav>
+                                      </p:tavLst>
+                                    </p:anim>
+                                    <p:anim calcmode="lin" valueType="num">
+                                      <p:cBhvr additive="base">
+                                        <p:cTn id="26" dur="500" fill="hold"/>
+                                        <p:tgtEl>
+                                          <p:spTgt spid="20"/>
+                                        </p:tgtEl>
+                                        <p:attrNameLst>
+                                          <p:attrName>ppt_y</p:attrName>
+                                        </p:attrNameLst>
+                                      </p:cBhvr>
+                                      <p:tavLst>
+                                        <p:tav tm="0">
+                                          <p:val>
+                                            <p:strVal val="1+#ppt_h/2"/>
+                                          </p:val>
+                                        </p:tav>
+                                        <p:tav tm="100000">
+                                          <p:val>
+                                            <p:strVal val="#ppt_y"/>
+                                          </p:val>
+                                        </p:tav>
+                                      </p:tavLst>
+                                    </p:anim>
+                                  </p:childTnLst>
+                                </p:cTn>
+                              </p:par>
+                            </p:childTnLst>
+                          </p:cTn>
+                        </p:par>
+                      </p:childTnLst>
+                    </p:cTn>
+                  </p:par>
+                  <p:par>
+                    <p:cTn id="27" fill="hold">
+                      <p:stCondLst>
+                        <p:cond delay="indefinite"/>
+                      </p:stCondLst>
+                      <p:childTnLst>
+                        <p:par>
+                          <p:cTn id="28" fill="hold">
+                            <p:stCondLst>
+                              <p:cond delay="0"/>
+                            </p:stCondLst>
+                            <p:childTnLst>
+                              <p:par>
+                                <p:cTn id="29" presetID="2" presetClass="entr" presetSubtype="4" fill="hold" nodeType="clickEffect">
+                                  <p:stCondLst>
+                                    <p:cond delay="0"/>
+                                  </p:stCondLst>
+                                  <p:childTnLst>
+                                    <p:set>
+                                      <p:cBhvr>
+                                        <p:cTn id="30" dur="1" fill="hold">
                                           <p:stCondLst>
                                             <p:cond delay="0"/>
                                           </p:stCondLst>
@@ -11470,17 +12966,9 @@
                                         <p:strVal val="visible"/>
                                       </p:to>
                                     </p:set>
-                                    <p:animEffect transition="in" filter="fade">
-                                      <p:cBhvr>
-                                        <p:cTn id="25" dur="1000"/>
-                                        <p:tgtEl>
-                                          <p:spTgt spid="12"/>
-                                        </p:tgtEl>
-                                      </p:cBhvr>
-                                    </p:animEffect>
                                     <p:anim calcmode="lin" valueType="num">
-                                      <p:cBhvr>
-                                        <p:cTn id="26" dur="1000" fill="hold"/>
+                                      <p:cBhvr additive="base">
+                                        <p:cTn id="31" dur="500" fill="hold"/>
                                         <p:tgtEl>
                                           <p:spTgt spid="12"/>
                                         </p:tgtEl>
@@ -11502,8 +12990,8 @@
                                       </p:tavLst>
                                     </p:anim>
                                     <p:anim calcmode="lin" valueType="num">
-                                      <p:cBhvr>
-                                        <p:cTn id="27" dur="1000" fill="hold"/>
+                                      <p:cBhvr additive="base">
+                                        <p:cTn id="32" dur="500" fill="hold"/>
                                         <p:tgtEl>
                                           <p:spTgt spid="12"/>
                                         </p:tgtEl>
@@ -11514,7 +13002,7 @@
                                       <p:tavLst>
                                         <p:tav tm="0">
                                           <p:val>
-                                            <p:strVal val="#ppt_y+.1"/>
+                                            <p:strVal val="1+#ppt_h/2"/>
                                           </p:val>
                                         </p:tav>
                                         <p:tav tm="100000">
@@ -11534,26 +13022,208 @@
                     </p:cTn>
                   </p:par>
                   <p:par>
-                    <p:cTn id="28" fill="hold">
+                    <p:cTn id="33" fill="hold">
                       <p:stCondLst>
                         <p:cond delay="indefinite"/>
                       </p:stCondLst>
                       <p:childTnLst>
                         <p:par>
-                          <p:cTn id="29" fill="hold">
+                          <p:cTn id="34" fill="hold">
                             <p:stCondLst>
                               <p:cond delay="0"/>
                             </p:stCondLst>
                             <p:childTnLst>
                               <p:par>
-                                <p:cTn id="30" presetID="31" presetClass="entr" presetSubtype="0" fill="hold" nodeType="clickEffect">
+                                <p:cTn id="35" presetID="2" presetClass="entr" presetSubtype="4" fill="hold" nodeType="clickEffect">
                                   <p:stCondLst>
                                     <p:cond delay="0"/>
                                   </p:stCondLst>
                                   <p:childTnLst>
                                     <p:set>
                                       <p:cBhvr>
-                                        <p:cTn id="31" dur="1" fill="hold">
+                                        <p:cTn id="36" dur="1" fill="hold">
+                                          <p:stCondLst>
+                                            <p:cond delay="0"/>
+                                          </p:stCondLst>
+                                        </p:cTn>
+                                        <p:tgtEl>
+                                          <p:spTgt spid="15"/>
+                                        </p:tgtEl>
+                                        <p:attrNameLst>
+                                          <p:attrName>style.visibility</p:attrName>
+                                        </p:attrNameLst>
+                                      </p:cBhvr>
+                                      <p:to>
+                                        <p:strVal val="visible"/>
+                                      </p:to>
+                                    </p:set>
+                                    <p:anim calcmode="lin" valueType="num">
+                                      <p:cBhvr additive="base">
+                                        <p:cTn id="37" dur="500" fill="hold"/>
+                                        <p:tgtEl>
+                                          <p:spTgt spid="15"/>
+                                        </p:tgtEl>
+                                        <p:attrNameLst>
+                                          <p:attrName>ppt_x</p:attrName>
+                                        </p:attrNameLst>
+                                      </p:cBhvr>
+                                      <p:tavLst>
+                                        <p:tav tm="0">
+                                          <p:val>
+                                            <p:strVal val="#ppt_x"/>
+                                          </p:val>
+                                        </p:tav>
+                                        <p:tav tm="100000">
+                                          <p:val>
+                                            <p:strVal val="#ppt_x"/>
+                                          </p:val>
+                                        </p:tav>
+                                      </p:tavLst>
+                                    </p:anim>
+                                    <p:anim calcmode="lin" valueType="num">
+                                      <p:cBhvr additive="base">
+                                        <p:cTn id="38" dur="500" fill="hold"/>
+                                        <p:tgtEl>
+                                          <p:spTgt spid="15"/>
+                                        </p:tgtEl>
+                                        <p:attrNameLst>
+                                          <p:attrName>ppt_y</p:attrName>
+                                        </p:attrNameLst>
+                                      </p:cBhvr>
+                                      <p:tavLst>
+                                        <p:tav tm="0">
+                                          <p:val>
+                                            <p:strVal val="1+#ppt_h/2"/>
+                                          </p:val>
+                                        </p:tav>
+                                        <p:tav tm="100000">
+                                          <p:val>
+                                            <p:strVal val="#ppt_y"/>
+                                          </p:val>
+                                        </p:tav>
+                                      </p:tavLst>
+                                    </p:anim>
+                                  </p:childTnLst>
+                                </p:cTn>
+                              </p:par>
+                            </p:childTnLst>
+                          </p:cTn>
+                        </p:par>
+                      </p:childTnLst>
+                    </p:cTn>
+                  </p:par>
+                  <p:par>
+                    <p:cTn id="39" fill="hold">
+                      <p:stCondLst>
+                        <p:cond delay="indefinite"/>
+                      </p:stCondLst>
+                      <p:childTnLst>
+                        <p:par>
+                          <p:cTn id="40" fill="hold">
+                            <p:stCondLst>
+                              <p:cond delay="0"/>
+                            </p:stCondLst>
+                            <p:childTnLst>
+                              <p:par>
+                                <p:cTn id="41" presetID="2" presetClass="entr" presetSubtype="4" fill="hold" grpId="0" nodeType="clickEffect">
+                                  <p:stCondLst>
+                                    <p:cond delay="0"/>
+                                  </p:stCondLst>
+                                  <p:childTnLst>
+                                    <p:set>
+                                      <p:cBhvr>
+                                        <p:cTn id="42" dur="1" fill="hold">
+                                          <p:stCondLst>
+                                            <p:cond delay="0"/>
+                                          </p:stCondLst>
+                                        </p:cTn>
+                                        <p:tgtEl>
+                                          <p:spTgt spid="14"/>
+                                        </p:tgtEl>
+                                        <p:attrNameLst>
+                                          <p:attrName>style.visibility</p:attrName>
+                                        </p:attrNameLst>
+                                      </p:cBhvr>
+                                      <p:to>
+                                        <p:strVal val="visible"/>
+                                      </p:to>
+                                    </p:set>
+                                    <p:anim calcmode="lin" valueType="num">
+                                      <p:cBhvr additive="base">
+                                        <p:cTn id="43" dur="500" fill="hold"/>
+                                        <p:tgtEl>
+                                          <p:spTgt spid="14"/>
+                                        </p:tgtEl>
+                                        <p:attrNameLst>
+                                          <p:attrName>ppt_x</p:attrName>
+                                        </p:attrNameLst>
+                                      </p:cBhvr>
+                                      <p:tavLst>
+                                        <p:tav tm="0">
+                                          <p:val>
+                                            <p:strVal val="#ppt_x"/>
+                                          </p:val>
+                                        </p:tav>
+                                        <p:tav tm="100000">
+                                          <p:val>
+                                            <p:strVal val="#ppt_x"/>
+                                          </p:val>
+                                        </p:tav>
+                                      </p:tavLst>
+                                    </p:anim>
+                                    <p:anim calcmode="lin" valueType="num">
+                                      <p:cBhvr additive="base">
+                                        <p:cTn id="44" dur="500" fill="hold"/>
+                                        <p:tgtEl>
+                                          <p:spTgt spid="14"/>
+                                        </p:tgtEl>
+                                        <p:attrNameLst>
+                                          <p:attrName>ppt_y</p:attrName>
+                                        </p:attrNameLst>
+                                      </p:cBhvr>
+                                      <p:tavLst>
+                                        <p:tav tm="0">
+                                          <p:val>
+                                            <p:strVal val="1+#ppt_h/2"/>
+                                          </p:val>
+                                        </p:tav>
+                                        <p:tav tm="100000">
+                                          <p:val>
+                                            <p:strVal val="#ppt_y"/>
+                                          </p:val>
+                                        </p:tav>
+                                      </p:tavLst>
+                                    </p:anim>
+                                  </p:childTnLst>
+                                </p:cTn>
+                              </p:par>
+                            </p:childTnLst>
+                          </p:cTn>
+                        </p:par>
+                      </p:childTnLst>
+                    </p:cTn>
+                  </p:par>
+                  <p:par>
+                    <p:cTn id="45" fill="hold">
+                      <p:stCondLst>
+                        <p:cond delay="indefinite"/>
+                      </p:stCondLst>
+                      <p:childTnLst>
+                        <p:par>
+                          <p:cTn id="46" fill="hold">
+                            <p:stCondLst>
+                              <p:cond delay="0"/>
+                            </p:stCondLst>
+                            <p:childTnLst>
+                              <p:par>
+                                <p:cTn id="47" presetID="2" presetClass="entr" presetSubtype="4" fill="hold" nodeType="clickEffect">
+                                  <p:stCondLst>
+                                    <p:cond delay="0"/>
+                                  </p:stCondLst>
+                                  <p:childTnLst>
+                                    <p:set>
+                                      <p:cBhvr>
+                                        <p:cTn id="48" dur="1" fill="hold">
                                           <p:stCondLst>
                                             <p:cond delay="0"/>
                                           </p:stCondLst>
@@ -11570,82 +13240,51 @@
                                       </p:to>
                                     </p:set>
                                     <p:anim calcmode="lin" valueType="num">
-                                      <p:cBhvr>
-                                        <p:cTn id="32" dur="1000" fill="hold"/>
+                                      <p:cBhvr additive="base">
+                                        <p:cTn id="49" dur="500" fill="hold"/>
                                         <p:tgtEl>
                                           <p:spTgt spid="1028"/>
                                         </p:tgtEl>
                                         <p:attrNameLst>
-                                          <p:attrName>ppt_w</p:attrName>
+                                          <p:attrName>ppt_x</p:attrName>
                                         </p:attrNameLst>
                                       </p:cBhvr>
                                       <p:tavLst>
                                         <p:tav tm="0">
                                           <p:val>
-                                            <p:fltVal val="0"/>
+                                            <p:strVal val="#ppt_x"/>
                                           </p:val>
                                         </p:tav>
                                         <p:tav tm="100000">
                                           <p:val>
-                                            <p:strVal val="#ppt_w"/>
+                                            <p:strVal val="#ppt_x"/>
                                           </p:val>
                                         </p:tav>
                                       </p:tavLst>
                                     </p:anim>
                                     <p:anim calcmode="lin" valueType="num">
-                                      <p:cBhvr>
-                                        <p:cTn id="33" dur="1000" fill="hold"/>
+                                      <p:cBhvr additive="base">
+                                        <p:cTn id="50" dur="500" fill="hold"/>
                                         <p:tgtEl>
                                           <p:spTgt spid="1028"/>
                                         </p:tgtEl>
                                         <p:attrNameLst>
-                                          <p:attrName>ppt_h</p:attrName>
+                                          <p:attrName>ppt_y</p:attrName>
                                         </p:attrNameLst>
                                       </p:cBhvr>
                                       <p:tavLst>
                                         <p:tav tm="0">
                                           <p:val>
-                                            <p:fltVal val="0"/>
+                                            <p:strVal val="1+#ppt_h/2"/>
                                           </p:val>
                                         </p:tav>
                                         <p:tav tm="100000">
                                           <p:val>
-                                            <p:strVal val="#ppt_h"/>
+                                            <p:strVal val="#ppt_y"/>
                                           </p:val>
                                         </p:tav>
                                       </p:tavLst>
                                     </p:anim>
-                                    <p:anim calcmode="lin" valueType="num">
-                                      <p:cBhvr>
-                                        <p:cTn id="34" dur="1000" fill="hold"/>
-                                        <p:tgtEl>
-                                          <p:spTgt spid="1028"/>
-                                        </p:tgtEl>
-                                        <p:attrNameLst>
-                                          <p:attrName>style.rotation</p:attrName>
-                                        </p:attrNameLst>
-                                      </p:cBhvr>
-                                      <p:tavLst>
-                                        <p:tav tm="0">
-                                          <p:val>
-                                            <p:fltVal val="90"/>
-                                          </p:val>
-                                        </p:tav>
-                                        <p:tav tm="100000">
-                                          <p:val>
-                                            <p:fltVal val="0"/>
-                                          </p:val>
-                                        </p:tav>
-                                      </p:tavLst>
-                                    </p:anim>
-                                    <p:animEffect transition="in" filter="fade">
-                                      <p:cBhvr>
-                                        <p:cTn id="35" dur="1000"/>
-                                        <p:tgtEl>
-                                          <p:spTgt spid="1028"/>
-                                        </p:tgtEl>
-                                      </p:cBhvr>
-                                    </p:animEffect>
                                   </p:childTnLst>
                                 </p:cTn>
                               </p:par>
@@ -11656,32 +13295,32 @@
                     </p:cTn>
                   </p:par>
                   <p:par>
-                    <p:cTn id="36" fill="hold">
+                    <p:cTn id="51" fill="hold">
                       <p:stCondLst>
                         <p:cond delay="indefinite"/>
                       </p:stCondLst>
                       <p:childTnLst>
                         <p:par>
-                          <p:cTn id="37" fill="hold">
+                          <p:cTn id="52" fill="hold">
                             <p:stCondLst>
                               <p:cond delay="0"/>
                             </p:stCondLst>
                             <p:childTnLst>
                               <p:par>
-                                <p:cTn id="38" presetID="16" presetClass="entr" presetSubtype="21" fill="hold" grpId="0" nodeType="clickEffect">
+                                <p:cTn id="53" presetID="2" presetClass="entr" presetSubtype="4" fill="hold" nodeType="clickEffect">
                                   <p:stCondLst>
                                     <p:cond delay="0"/>
                                   </p:stCondLst>
                                   <p:childTnLst>
                                     <p:set>
                                       <p:cBhvr>
-                                        <p:cTn id="39" dur="1" fill="hold">
+                                        <p:cTn id="54" dur="1" fill="hold">
                                           <p:stCondLst>
                                             <p:cond delay="0"/>
                                           </p:stCondLst>
                                         </p:cTn>
                                         <p:tgtEl>
-                                          <p:spTgt spid="14"/>
+                                          <p:spTgt spid="17"/>
                                         </p:tgtEl>
                                         <p:attrNameLst>
                                           <p:attrName>style.visibility</p:attrName>
@@ -11691,14 +13330,52 @@
                                         <p:strVal val="visible"/>
                                       </p:to>
                                     </p:set>
-                                    <p:animEffect transition="in" filter="barn(inVertical)">
-                                      <p:cBhvr>
-                                        <p:cTn id="40" dur="500"/>
+                                    <p:anim calcmode="lin" valueType="num">
+                                      <p:cBhvr additive="base">
+                                        <p:cTn id="55" dur="500" fill="hold"/>
                                         <p:tgtEl>
-                                          <p:spTgt spid="14"/>
+                                          <p:spTgt spid="17"/>
                                         </p:tgtEl>
+                                        <p:attrNameLst>
+                                          <p:attrName>ppt_x</p:attrName>
+                                        </p:attrNameLst>
                                       </p:cBhvr>
-                                    </p:animEffect>
+                                      <p:tavLst>
+                                        <p:tav tm="0">
+                                          <p:val>
+                                            <p:strVal val="#ppt_x"/>
+                                          </p:val>
+                                        </p:tav>
+                                        <p:tav tm="100000">
+                                          <p:val>
+                                            <p:strVal val="#ppt_x"/>
+                                          </p:val>
+                                        </p:tav>
+                                      </p:tavLst>
+                                    </p:anim>
+                                    <p:anim calcmode="lin" valueType="num">
+                                      <p:cBhvr additive="base">
+                                        <p:cTn id="56" dur="500" fill="hold"/>
+                                        <p:tgtEl>
+                                          <p:spTgt spid="17"/>
+                                        </p:tgtEl>
+                                        <p:attrNameLst>
+                                          <p:attrName>ppt_y</p:attrName>
+                                        </p:attrNameLst>
+                                      </p:cBhvr>
+                                      <p:tavLst>
+                                        <p:tav tm="0">
+                                          <p:val>
+                                            <p:strVal val="1+#ppt_h/2"/>
+                                          </p:val>
+                                        </p:tav>
+                                        <p:tav tm="100000">
+                                          <p:val>
+                                            <p:strVal val="#ppt_y"/>
+                                          </p:val>
+                                        </p:tav>
+                                      </p:tavLst>
+                                    </p:anim>
                                   </p:childTnLst>
                                 </p:cTn>
                               </p:par>
@@ -11709,26 +13386,26 @@
                     </p:cTn>
                   </p:par>
                   <p:par>
-                    <p:cTn id="41" fill="hold">
+                    <p:cTn id="57" fill="hold">
                       <p:stCondLst>
                         <p:cond delay="indefinite"/>
                       </p:stCondLst>
                       <p:childTnLst>
                         <p:par>
-                          <p:cTn id="42" fill="hold">
+                          <p:cTn id="58" fill="hold">
                             <p:stCondLst>
                               <p:cond delay="0"/>
                             </p:stCondLst>
                             <p:childTnLst>
                               <p:par>
-                                <p:cTn id="43" presetID="53" presetClass="entr" presetSubtype="16" fill="hold" nodeType="clickEffect">
+                                <p:cTn id="59" presetID="2" presetClass="entr" presetSubtype="4" fill="hold" nodeType="clickEffect">
                                   <p:stCondLst>
                                     <p:cond delay="0"/>
                                   </p:stCondLst>
                                   <p:childTnLst>
                                     <p:set>
                                       <p:cBhvr>
-                                        <p:cTn id="44" dur="1" fill="hold">
+                                        <p:cTn id="60" dur="1" fill="hold">
                                           <p:stCondLst>
                                             <p:cond delay="0"/>
                                           </p:stCondLst>
@@ -11745,59 +13422,51 @@
                                       </p:to>
                                     </p:set>
                                     <p:anim calcmode="lin" valueType="num">
-                                      <p:cBhvr>
-                                        <p:cTn id="45" dur="500" fill="hold"/>
+                                      <p:cBhvr additive="base">
+                                        <p:cTn id="61" dur="500" fill="hold"/>
                                         <p:tgtEl>
                                           <p:spTgt spid="13"/>
                                         </p:tgtEl>
                                         <p:attrNameLst>
-                                          <p:attrName>ppt_w</p:attrName>
+                                          <p:attrName>ppt_x</p:attrName>
                                         </p:attrNameLst>
                                       </p:cBhvr>
                                       <p:tavLst>
                                         <p:tav tm="0">
                                           <p:val>
-                                            <p:fltVal val="0"/>
+                                            <p:strVal val="#ppt_x"/>
                                           </p:val>
                                         </p:tav>
                                         <p:tav tm="100000">
                                           <p:val>
-                                            <p:strVal val="#ppt_w"/>
+                                            <p:strVal val="#ppt_x"/>
                                           </p:val>
                                         </p:tav>
                                       </p:tavLst>
                                     </p:anim>
                                     <p:anim calcmode="lin" valueType="num">
-                                      <p:cBhvr>
-                                        <p:cTn id="46" dur="500" fill="hold"/>
+                                      <p:cBhvr additive="base">
+                                        <p:cTn id="62" dur="500" fill="hold"/>
                                         <p:tgtEl>
                                           <p:spTgt spid="13"/>
                                         </p:tgtEl>
                                         <p:attrNameLst>
-                                          <p:attrName>ppt_h</p:attrName>
+                                          <p:attrName>ppt_y</p:attrName>
                                         </p:attrNameLst>
                                       </p:cBhvr>
                                       <p:tavLst>
                                         <p:tav tm="0">
                                           <p:val>
-                                            <p:fltVal val="0"/>
+                                            <p:strVal val="1+#ppt_h/2"/>
                                           </p:val>
                                         </p:tav>
                                         <p:tav tm="100000">
                                           <p:val>
-                                            <p:strVal val="#ppt_h"/>
+                                            <p:strVal val="#ppt_y"/>
                                           </p:val>
                                         </p:tav>
                                       </p:tavLst>
                                     </p:anim>
-                                    <p:animEffect transition="in" filter="fade">
-                                      <p:cBhvr>
-                                        <p:cTn id="47" dur="500"/>
-                                        <p:tgtEl>
-                                          <p:spTgt spid="13"/>
-                                        </p:tgtEl>
-                                      </p:cBhvr>
-                                    </p:animEffect>
                                   </p:childTnLst>
                                 </p:cTn>
                               </p:par>

--- a/Sprint2/Documentação/Apresentação Sprint 2.pptx
+++ b/Sprint2/Documentação/Apresentação Sprint 2.pptx
@@ -1426,7 +1426,7 @@
           <c:layoutTarget val="inner"/>
           <c:xMode val="edge"/>
           <c:yMode val="edge"/>
-          <c:x val="4.2253532841724756E-2"/>
+          <c:x val="7.7464810209828719E-2"/>
           <c:y val="9.843751211091438E-2"/>
           <c:w val="0.92253518979017124"/>
           <c:h val="0.89687498731237536"/>
@@ -1435,307 +1435,6 @@
       <c:lineChart>
         <c:grouping val="standard"/>
         <c:varyColors val="0"/>
-        <c:ser>
-          <c:idx val="0"/>
-          <c:order val="0"/>
-          <c:tx>
-            <c:strRef>
-              <c:f>Planilha1!$B$1</c:f>
-              <c:strCache>
-                <c:ptCount val="1"/>
-                <c:pt idx="0">
-                  <c:v>Ideal</c:v>
-                </c:pt>
-              </c:strCache>
-            </c:strRef>
-          </c:tx>
-          <c:spPr>
-            <a:ln w="28575" cap="rnd">
-              <a:solidFill>
-                <a:schemeClr val="accent6">
-                  <a:lumMod val="75000"/>
-                </a:schemeClr>
-              </a:solidFill>
-              <a:round/>
-            </a:ln>
-            <a:effectLst/>
-          </c:spPr>
-          <c:marker>
-            <c:symbol val="none"/>
-          </c:marker>
-          <c:cat>
-            <c:strRef>
-              <c:f>Planilha1!$A$2:$A$5</c:f>
-              <c:strCache>
-                <c:ptCount val="4"/>
-                <c:pt idx="0">
-                  <c:v>Categoria 1</c:v>
-                </c:pt>
-                <c:pt idx="1">
-                  <c:v>Categoria 2</c:v>
-                </c:pt>
-                <c:pt idx="2">
-                  <c:v>Categoria 3</c:v>
-                </c:pt>
-                <c:pt idx="3">
-                  <c:v>Categoria 4</c:v>
-                </c:pt>
-              </c:strCache>
-            </c:strRef>
-          </c:cat>
-          <c:val>
-            <c:numRef>
-              <c:f>Planilha1!$B$2:$B$5</c:f>
-              <c:numCache>
-                <c:formatCode>General</c:formatCode>
-                <c:ptCount val="4"/>
-                <c:pt idx="0">
-                  <c:v>4.3</c:v>
-                </c:pt>
-                <c:pt idx="1">
-                  <c:v>2.5</c:v>
-                </c:pt>
-                <c:pt idx="2">
-                  <c:v>3.5</c:v>
-                </c:pt>
-                <c:pt idx="3">
-                  <c:v>4.5</c:v>
-                </c:pt>
-              </c:numCache>
-            </c:numRef>
-          </c:val>
-          <c:smooth val="0"/>
-          <c:extLst>
-            <c:ext xmlns:c16="http://schemas.microsoft.com/office/drawing/2014/chart" uri="{C3380CC4-5D6E-409C-BE32-E72D297353CC}">
-              <c16:uniqueId val="{00000000-33CD-485E-86B2-24A9850CF5F4}"/>
-            </c:ext>
-          </c:extLst>
-        </c:ser>
-        <c:ser>
-          <c:idx val="1"/>
-          <c:order val="1"/>
-          <c:tx>
-            <c:strRef>
-              <c:f>Planilha1!$C$1</c:f>
-              <c:strCache>
-                <c:ptCount val="1"/>
-                <c:pt idx="0">
-                  <c:v>alerta</c:v>
-                </c:pt>
-              </c:strCache>
-            </c:strRef>
-          </c:tx>
-          <c:spPr>
-            <a:ln w="28575" cap="rnd">
-              <a:solidFill>
-                <a:schemeClr val="accent4">
-                  <a:lumMod val="60000"/>
-                  <a:lumOff val="40000"/>
-                </a:schemeClr>
-              </a:solidFill>
-              <a:round/>
-            </a:ln>
-            <a:effectLst/>
-          </c:spPr>
-          <c:marker>
-            <c:symbol val="none"/>
-          </c:marker>
-          <c:cat>
-            <c:strRef>
-              <c:f>Planilha1!$A$2:$A$5</c:f>
-              <c:strCache>
-                <c:ptCount val="4"/>
-                <c:pt idx="0">
-                  <c:v>Categoria 1</c:v>
-                </c:pt>
-                <c:pt idx="1">
-                  <c:v>Categoria 2</c:v>
-                </c:pt>
-                <c:pt idx="2">
-                  <c:v>Categoria 3</c:v>
-                </c:pt>
-                <c:pt idx="3">
-                  <c:v>Categoria 4</c:v>
-                </c:pt>
-              </c:strCache>
-            </c:strRef>
-          </c:cat>
-          <c:val>
-            <c:numRef>
-              <c:f>Planilha1!$C$2:$C$5</c:f>
-              <c:numCache>
-                <c:formatCode>General</c:formatCode>
-                <c:ptCount val="4"/>
-                <c:pt idx="0">
-                  <c:v>2.4</c:v>
-                </c:pt>
-                <c:pt idx="1">
-                  <c:v>4.4000000000000004</c:v>
-                </c:pt>
-                <c:pt idx="2">
-                  <c:v>1.8</c:v>
-                </c:pt>
-                <c:pt idx="3">
-                  <c:v>2.8</c:v>
-                </c:pt>
-              </c:numCache>
-            </c:numRef>
-          </c:val>
-          <c:smooth val="0"/>
-          <c:extLst>
-            <c:ext xmlns:c16="http://schemas.microsoft.com/office/drawing/2014/chart" uri="{C3380CC4-5D6E-409C-BE32-E72D297353CC}">
-              <c16:uniqueId val="{00000001-33CD-485E-86B2-24A9850CF5F4}"/>
-            </c:ext>
-          </c:extLst>
-        </c:ser>
-        <c:ser>
-          <c:idx val="2"/>
-          <c:order val="2"/>
-          <c:tx>
-            <c:strRef>
-              <c:f>Planilha1!$D$1</c:f>
-              <c:strCache>
-                <c:ptCount val="1"/>
-                <c:pt idx="0">
-                  <c:v>Atenção</c:v>
-                </c:pt>
-              </c:strCache>
-            </c:strRef>
-          </c:tx>
-          <c:spPr>
-            <a:ln w="28575" cap="rnd">
-              <a:solidFill>
-                <a:srgbClr val="FF0000"/>
-              </a:solidFill>
-              <a:round/>
-            </a:ln>
-            <a:effectLst/>
-          </c:spPr>
-          <c:marker>
-            <c:symbol val="none"/>
-          </c:marker>
-          <c:cat>
-            <c:strRef>
-              <c:f>Planilha1!$A$2:$A$5</c:f>
-              <c:strCache>
-                <c:ptCount val="4"/>
-                <c:pt idx="0">
-                  <c:v>Categoria 1</c:v>
-                </c:pt>
-                <c:pt idx="1">
-                  <c:v>Categoria 2</c:v>
-                </c:pt>
-                <c:pt idx="2">
-                  <c:v>Categoria 3</c:v>
-                </c:pt>
-                <c:pt idx="3">
-                  <c:v>Categoria 4</c:v>
-                </c:pt>
-              </c:strCache>
-            </c:strRef>
-          </c:cat>
-          <c:val>
-            <c:numRef>
-              <c:f>Planilha1!$D$2:$D$5</c:f>
-              <c:numCache>
-                <c:formatCode>General</c:formatCode>
-                <c:ptCount val="4"/>
-                <c:pt idx="0">
-                  <c:v>2</c:v>
-                </c:pt>
-                <c:pt idx="1">
-                  <c:v>2</c:v>
-                </c:pt>
-                <c:pt idx="2">
-                  <c:v>3</c:v>
-                </c:pt>
-                <c:pt idx="3">
-                  <c:v>5</c:v>
-                </c:pt>
-              </c:numCache>
-            </c:numRef>
-          </c:val>
-          <c:smooth val="0"/>
-          <c:extLst>
-            <c:ext xmlns:c16="http://schemas.microsoft.com/office/drawing/2014/chart" uri="{C3380CC4-5D6E-409C-BE32-E72D297353CC}">
-              <c16:uniqueId val="{00000002-33CD-485E-86B2-24A9850CF5F4}"/>
-            </c:ext>
-          </c:extLst>
-        </c:ser>
-        <c:ser>
-          <c:idx val="3"/>
-          <c:order val="3"/>
-          <c:tx>
-            <c:strRef>
-              <c:f>Planilha1!$E$1</c:f>
-              <c:strCache>
-                <c:ptCount val="1"/>
-                <c:pt idx="0">
-                  <c:v>Crítico</c:v>
-                </c:pt>
-              </c:strCache>
-            </c:strRef>
-          </c:tx>
-          <c:spPr>
-            <a:ln w="28575" cap="rnd">
-              <a:solidFill>
-                <a:schemeClr val="accent4"/>
-              </a:solidFill>
-              <a:round/>
-            </a:ln>
-            <a:effectLst/>
-          </c:spPr>
-          <c:marker>
-            <c:symbol val="none"/>
-          </c:marker>
-          <c:cat>
-            <c:strRef>
-              <c:f>Planilha1!$A$2:$A$5</c:f>
-              <c:strCache>
-                <c:ptCount val="4"/>
-                <c:pt idx="0">
-                  <c:v>Categoria 1</c:v>
-                </c:pt>
-                <c:pt idx="1">
-                  <c:v>Categoria 2</c:v>
-                </c:pt>
-                <c:pt idx="2">
-                  <c:v>Categoria 3</c:v>
-                </c:pt>
-                <c:pt idx="3">
-                  <c:v>Categoria 4</c:v>
-                </c:pt>
-              </c:strCache>
-            </c:strRef>
-          </c:cat>
-          <c:val>
-            <c:numRef>
-              <c:f>Planilha1!$E$2:$E$5</c:f>
-              <c:numCache>
-                <c:formatCode>General</c:formatCode>
-                <c:ptCount val="4"/>
-                <c:pt idx="0">
-                  <c:v>1</c:v>
-                </c:pt>
-                <c:pt idx="1">
-                  <c:v>1.3</c:v>
-                </c:pt>
-                <c:pt idx="2">
-                  <c:v>1.7</c:v>
-                </c:pt>
-                <c:pt idx="3">
-                  <c:v>1.5</c:v>
-                </c:pt>
-              </c:numCache>
-            </c:numRef>
-          </c:val>
-          <c:smooth val="0"/>
-          <c:extLst>
-            <c:ext xmlns:c16="http://schemas.microsoft.com/office/drawing/2014/chart" uri="{C3380CC4-5D6E-409C-BE32-E72D297353CC}">
-              <c16:uniqueId val="{00000004-33CD-485E-86B2-24A9850CF5F4}"/>
-            </c:ext>
-          </c:extLst>
-        </c:ser>
         <c:dLbls>
           <c:showLegendKey val="0"/>
           <c:showVal val="0"/>
@@ -1744,6 +1443,7 @@
           <c:showPercent val="0"/>
           <c:showBubbleSize val="0"/>
         </c:dLbls>
+        <c:marker val="1"/>
         <c:smooth val="0"/>
         <c:axId val="127085295"/>
         <c:axId val="125776079"/>
@@ -1783,7 +1483,7 @@
       </c:valAx>
       <c:spPr>
         <a:noFill/>
-        <a:ln>
+        <a:ln w="25400">
           <a:noFill/>
         </a:ln>
         <a:effectLst/>
@@ -8001,8 +7701,8 @@
           <p:nvPr/>
         </p:nvSpPr>
         <p:spPr>
-          <a:xfrm rot="18718225">
-            <a:off x="859892" y="2559645"/>
+          <a:xfrm>
+            <a:off x="323209" y="2890728"/>
             <a:ext cx="11150221" cy="1855304"/>
           </a:xfrm>
           <a:prstGeom prst="rect">
@@ -8042,60 +7742,6 @@
           </a:p>
         </p:txBody>
       </p:sp>
-      <p:sp>
-        <p:nvSpPr>
-          <p:cNvPr id="7" name="Retângulo 6">
-            <a:extLst>
-              <a:ext uri="{FF2B5EF4-FFF2-40B4-BE49-F238E27FC236}">
-                <a16:creationId xmlns:a16="http://schemas.microsoft.com/office/drawing/2014/main" id="{24DE6905-62AE-480C-A5DF-5B28F6FE5A05}"/>
-              </a:ext>
-            </a:extLst>
-          </p:cNvPr>
-          <p:cNvSpPr/>
-          <p:nvPr/>
-        </p:nvSpPr>
-        <p:spPr>
-          <a:xfrm rot="18718225">
-            <a:off x="1861718" y="3951864"/>
-            <a:ext cx="11150221" cy="186724"/>
-          </a:xfrm>
-          <a:prstGeom prst="rect">
-            <a:avLst/>
-          </a:prstGeom>
-          <a:solidFill>
-            <a:schemeClr val="bg2">
-              <a:lumMod val="25000"/>
-            </a:schemeClr>
-          </a:solidFill>
-          <a:ln>
-            <a:noFill/>
-          </a:ln>
-        </p:spPr>
-        <p:style>
-          <a:lnRef idx="2">
-            <a:schemeClr val="accent1">
-              <a:shade val="50000"/>
-            </a:schemeClr>
-          </a:lnRef>
-          <a:fillRef idx="1">
-            <a:schemeClr val="accent1"/>
-          </a:fillRef>
-          <a:effectRef idx="0">
-            <a:schemeClr val="accent1"/>
-          </a:effectRef>
-          <a:fontRef idx="minor">
-            <a:schemeClr val="lt1"/>
-          </a:fontRef>
-        </p:style>
-        <p:txBody>
-          <a:bodyPr rtlCol="0" anchor="ctr"/>
-          <a:lstStyle/>
-          <a:p>
-            <a:pPr algn="ctr"/>
-            <a:endParaRPr lang="pt-BR" dirty="0"/>
-          </a:p>
-        </p:txBody>
-      </p:sp>
       <p:graphicFrame>
         <p:nvGraphicFramePr>
           <p:cNvPr id="10" name="Gráfico 9">
@@ -8109,7 +7755,7 @@
           <p:nvPr>
             <p:extLst>
               <p:ext uri="{D42A27DB-BD31-4B8C-83A1-F6EECF244321}">
-                <p14:modId xmlns:p14="http://schemas.microsoft.com/office/powerpoint/2010/main" val="2460202463"/>
+                <p14:modId xmlns:p14="http://schemas.microsoft.com/office/powerpoint/2010/main" val="1757201732"/>
               </p:ext>
             </p:extLst>
           </p:nvPr>
@@ -8126,547 +7772,6 @@
       </p:graphicFrame>
       <p:pic>
         <p:nvPicPr>
-          <p:cNvPr id="11" name="Picture 8" descr="Ver a imagem de origem">
-            <a:extLst>
-              <a:ext uri="{FF2B5EF4-FFF2-40B4-BE49-F238E27FC236}">
-                <a16:creationId xmlns:a16="http://schemas.microsoft.com/office/drawing/2014/main" id="{4DAA65F3-E71E-4320-A95D-1018BC9BD7D2}"/>
-              </a:ext>
-            </a:extLst>
-          </p:cNvPr>
-          <p:cNvPicPr>
-            <a:picLocks noChangeAspect="1" noChangeArrowheads="1"/>
-          </p:cNvPicPr>
-          <p:nvPr/>
-        </p:nvPicPr>
-        <p:blipFill>
-          <a:blip r:embed="rId4">
-            <a:extLst>
-              <a:ext uri="{28A0092B-C50C-407E-A947-70E740481C1C}">
-                <a14:useLocalDpi xmlns:a14="http://schemas.microsoft.com/office/drawing/2010/main" val="0"/>
-              </a:ext>
-            </a:extLst>
-          </a:blip>
-          <a:srcRect/>
-          <a:stretch>
-            <a:fillRect/>
-          </a:stretch>
-        </p:blipFill>
-        <p:spPr bwMode="auto">
-          <a:xfrm>
-            <a:off x="9443893" y="1684955"/>
-            <a:ext cx="1139191" cy="949326"/>
-          </a:xfrm>
-          <a:prstGeom prst="rect">
-            <a:avLst/>
-          </a:prstGeom>
-          <a:noFill/>
-          <a:extLst>
-            <a:ext uri="{909E8E84-426E-40DD-AFC4-6F175D3DCCD1}">
-              <a14:hiddenFill xmlns:a14="http://schemas.microsoft.com/office/drawing/2010/main">
-                <a:solidFill>
-                  <a:srgbClr val="FFFFFF"/>
-                </a:solidFill>
-              </a14:hiddenFill>
-            </a:ext>
-          </a:extLst>
-        </p:spPr>
-      </p:pic>
-      <p:pic>
-        <p:nvPicPr>
-          <p:cNvPr id="12" name="Picture 6" descr="Ver a imagem de origem">
-            <a:extLst>
-              <a:ext uri="{FF2B5EF4-FFF2-40B4-BE49-F238E27FC236}">
-                <a16:creationId xmlns:a16="http://schemas.microsoft.com/office/drawing/2014/main" id="{555C13F9-BD5B-4D78-AC17-D3A9505D5A4D}"/>
-              </a:ext>
-            </a:extLst>
-          </p:cNvPr>
-          <p:cNvPicPr>
-            <a:picLocks noChangeAspect="1" noChangeArrowheads="1"/>
-          </p:cNvPicPr>
-          <p:nvPr/>
-        </p:nvPicPr>
-        <p:blipFill>
-          <a:blip r:embed="rId5">
-            <a:extLst>
-              <a:ext uri="{28A0092B-C50C-407E-A947-70E740481C1C}">
-                <a14:useLocalDpi xmlns:a14="http://schemas.microsoft.com/office/drawing/2010/main" val="0"/>
-              </a:ext>
-            </a:extLst>
-          </a:blip>
-          <a:srcRect/>
-          <a:stretch>
-            <a:fillRect/>
-          </a:stretch>
-        </p:blipFill>
-        <p:spPr bwMode="auto">
-          <a:xfrm>
-            <a:off x="8538577" y="2944421"/>
-            <a:ext cx="984417" cy="873958"/>
-          </a:xfrm>
-          <a:prstGeom prst="rect">
-            <a:avLst/>
-          </a:prstGeom>
-          <a:noFill/>
-          <a:extLst>
-            <a:ext uri="{909E8E84-426E-40DD-AFC4-6F175D3DCCD1}">
-              <a14:hiddenFill xmlns:a14="http://schemas.microsoft.com/office/drawing/2010/main">
-                <a:solidFill>
-                  <a:srgbClr val="FFFFFF"/>
-                </a:solidFill>
-              </a14:hiddenFill>
-            </a:ext>
-          </a:extLst>
-        </p:spPr>
-      </p:pic>
-      <p:pic>
-        <p:nvPicPr>
-          <p:cNvPr id="13" name="Picture 10" descr="Ver a imagem de origem">
-            <a:extLst>
-              <a:ext uri="{FF2B5EF4-FFF2-40B4-BE49-F238E27FC236}">
-                <a16:creationId xmlns:a16="http://schemas.microsoft.com/office/drawing/2014/main" id="{5AD58F30-1FB1-4C9B-825D-220F63F8B4FA}"/>
-              </a:ext>
-            </a:extLst>
-          </p:cNvPr>
-          <p:cNvPicPr>
-            <a:picLocks noChangeAspect="1" noChangeArrowheads="1"/>
-          </p:cNvPicPr>
-          <p:nvPr/>
-        </p:nvPicPr>
-        <p:blipFill>
-          <a:blip r:embed="rId6">
-            <a:extLst>
-              <a:ext uri="{28A0092B-C50C-407E-A947-70E740481C1C}">
-                <a14:useLocalDpi xmlns:a14="http://schemas.microsoft.com/office/drawing/2010/main" val="0"/>
-              </a:ext>
-            </a:extLst>
-          </a:blip>
-          <a:srcRect/>
-          <a:stretch>
-            <a:fillRect/>
-          </a:stretch>
-        </p:blipFill>
-        <p:spPr bwMode="auto">
-          <a:xfrm>
-            <a:off x="6172784" y="5691116"/>
-            <a:ext cx="1050116" cy="1032666"/>
-          </a:xfrm>
-          <a:prstGeom prst="rect">
-            <a:avLst/>
-          </a:prstGeom>
-          <a:noFill/>
-          <a:extLst>
-            <a:ext uri="{909E8E84-426E-40DD-AFC4-6F175D3DCCD1}">
-              <a14:hiddenFill xmlns:a14="http://schemas.microsoft.com/office/drawing/2010/main">
-                <a:solidFill>
-                  <a:srgbClr val="FFFFFF"/>
-                </a:solidFill>
-              </a14:hiddenFill>
-            </a:ext>
-          </a:extLst>
-        </p:spPr>
-      </p:pic>
-      <p:pic>
-        <p:nvPicPr>
-          <p:cNvPr id="1028" name="Picture 4" descr="Ver a imagem de origem">
-            <a:extLst>
-              <a:ext uri="{FF2B5EF4-FFF2-40B4-BE49-F238E27FC236}">
-                <a16:creationId xmlns:a16="http://schemas.microsoft.com/office/drawing/2014/main" id="{2CA75B5E-71A5-42A1-B2E3-D479B349DF4A}"/>
-              </a:ext>
-            </a:extLst>
-          </p:cNvPr>
-          <p:cNvPicPr>
-            <a:picLocks noChangeAspect="1" noChangeArrowheads="1"/>
-          </p:cNvPicPr>
-          <p:nvPr/>
-        </p:nvPicPr>
-        <p:blipFill>
-          <a:blip r:embed="rId7">
-            <a:extLst>
-              <a:ext uri="{28A0092B-C50C-407E-A947-70E740481C1C}">
-                <a14:useLocalDpi xmlns:a14="http://schemas.microsoft.com/office/drawing/2010/main" val="0"/>
-              </a:ext>
-            </a:extLst>
-          </a:blip>
-          <a:srcRect/>
-          <a:stretch>
-            <a:fillRect/>
-          </a:stretch>
-        </p:blipFill>
-        <p:spPr bwMode="auto">
-          <a:xfrm>
-            <a:off x="7404627" y="4282662"/>
-            <a:ext cx="1041327" cy="1041327"/>
-          </a:xfrm>
-          <a:prstGeom prst="rect">
-            <a:avLst/>
-          </a:prstGeom>
-          <a:noFill/>
-          <a:effectLst>
-            <a:outerShdw dir="5400000" sx="107000" sy="107000" algn="ctr" rotWithShape="0">
-              <a:schemeClr val="accent2">
-                <a:lumMod val="75000"/>
-              </a:schemeClr>
-            </a:outerShdw>
-          </a:effectLst>
-          <a:extLst>
-            <a:ext uri="{909E8E84-426E-40DD-AFC4-6F175D3DCCD1}">
-              <a14:hiddenFill xmlns:a14="http://schemas.microsoft.com/office/drawing/2010/main">
-                <a:solidFill>
-                  <a:srgbClr val="FFFFFF"/>
-                </a:solidFill>
-              </a14:hiddenFill>
-            </a:ext>
-          </a:extLst>
-        </p:spPr>
-      </p:pic>
-      <p:sp>
-        <p:nvSpPr>
-          <p:cNvPr id="14" name="CaixaDeTexto 13">
-            <a:extLst>
-              <a:ext uri="{FF2B5EF4-FFF2-40B4-BE49-F238E27FC236}">
-                <a16:creationId xmlns:a16="http://schemas.microsoft.com/office/drawing/2014/main" id="{D5CCB497-2128-4E6F-8EED-0781D5E3646A}"/>
-              </a:ext>
-            </a:extLst>
-          </p:cNvPr>
-          <p:cNvSpPr txBox="1"/>
-          <p:nvPr/>
-        </p:nvSpPr>
-        <p:spPr>
-          <a:xfrm>
-            <a:off x="7643477" y="4195255"/>
-            <a:ext cx="1800416" cy="1323439"/>
-          </a:xfrm>
-          <a:prstGeom prst="rect">
-            <a:avLst/>
-          </a:prstGeom>
-          <a:noFill/>
-        </p:spPr>
-        <p:txBody>
-          <a:bodyPr wrap="square" rtlCol="0">
-            <a:spAutoFit/>
-          </a:bodyPr>
-          <a:lstStyle/>
-          <a:p>
-            <a:r>
-              <a:rPr lang="pt-BR" sz="8000" dirty="0"/>
-              <a:t>!</a:t>
-            </a:r>
-          </a:p>
-        </p:txBody>
-      </p:sp>
-      <p:grpSp>
-        <p:nvGrpSpPr>
-          <p:cNvPr id="15" name="Agrupar 14">
-            <a:extLst>
-              <a:ext uri="{FF2B5EF4-FFF2-40B4-BE49-F238E27FC236}">
-                <a16:creationId xmlns:a16="http://schemas.microsoft.com/office/drawing/2014/main" id="{B3C68E00-8ED4-4CB4-99E2-29613C9AAF5A}"/>
-              </a:ext>
-            </a:extLst>
-          </p:cNvPr>
-          <p:cNvGrpSpPr/>
-          <p:nvPr/>
-        </p:nvGrpSpPr>
-        <p:grpSpPr>
-          <a:xfrm>
-            <a:off x="9715733" y="2993143"/>
-            <a:ext cx="1385299" cy="1076447"/>
-            <a:chOff x="9655601" y="4096599"/>
-            <a:chExt cx="1385299" cy="1076447"/>
-          </a:xfrm>
-        </p:grpSpPr>
-        <p:pic>
-          <p:nvPicPr>
-            <p:cNvPr id="1026" name="Picture 2">
-              <a:extLst>
-                <a:ext uri="{FF2B5EF4-FFF2-40B4-BE49-F238E27FC236}">
-                  <a16:creationId xmlns:a16="http://schemas.microsoft.com/office/drawing/2014/main" id="{26752D16-E215-4D86-8B70-50FC29609E2D}"/>
-                </a:ext>
-              </a:extLst>
-            </p:cNvPr>
-            <p:cNvPicPr>
-              <a:picLocks noChangeAspect="1" noChangeArrowheads="1"/>
-            </p:cNvPicPr>
-            <p:nvPr/>
-          </p:nvPicPr>
-          <p:blipFill>
-            <a:blip r:embed="rId8">
-              <a:extLst>
-                <a:ext uri="{28A0092B-C50C-407E-A947-70E740481C1C}">
-                  <a14:useLocalDpi xmlns:a14="http://schemas.microsoft.com/office/drawing/2010/main" val="0"/>
-                </a:ext>
-              </a:extLst>
-            </a:blip>
-            <a:srcRect/>
-            <a:stretch>
-              <a:fillRect/>
-            </a:stretch>
-          </p:blipFill>
-          <p:spPr bwMode="auto">
-            <a:xfrm>
-              <a:off x="9655601" y="4096599"/>
-              <a:ext cx="1385299" cy="1049834"/>
-            </a:xfrm>
-            <a:prstGeom prst="rect">
-              <a:avLst/>
-            </a:prstGeom>
-            <a:noFill/>
-            <a:extLst>
-              <a:ext uri="{909E8E84-426E-40DD-AFC4-6F175D3DCCD1}">
-                <a14:hiddenFill xmlns:a14="http://schemas.microsoft.com/office/drawing/2010/main">
-                  <a:solidFill>
-                    <a:srgbClr val="FFFFFF"/>
-                  </a:solidFill>
-                </a14:hiddenFill>
-              </a:ext>
-            </a:extLst>
-          </p:spPr>
-        </p:pic>
-        <p:pic>
-          <p:nvPicPr>
-            <p:cNvPr id="8" name="Gráfico 7" descr="Ponto de exclamação">
-              <a:extLst>
-                <a:ext uri="{FF2B5EF4-FFF2-40B4-BE49-F238E27FC236}">
-                  <a16:creationId xmlns:a16="http://schemas.microsoft.com/office/drawing/2014/main" id="{1AFA0CD8-11C4-4433-9D6D-697983F27942}"/>
-                </a:ext>
-              </a:extLst>
-            </p:cNvPr>
-            <p:cNvPicPr>
-              <a:picLocks noChangeAspect="1"/>
-            </p:cNvPicPr>
-            <p:nvPr/>
-          </p:nvPicPr>
-          <p:blipFill>
-            <a:blip r:embed="rId9">
-              <a:extLst>
-                <a:ext uri="{28A0092B-C50C-407E-A947-70E740481C1C}">
-                  <a14:useLocalDpi xmlns:a14="http://schemas.microsoft.com/office/drawing/2010/main" val="0"/>
-                </a:ext>
-                <a:ext uri="{96DAC541-7B7A-43D3-8B79-37D633B846F1}">
-                  <asvg:svgBlip xmlns:asvg="http://schemas.microsoft.com/office/drawing/2016/SVG/main" r:embed="rId10"/>
-                </a:ext>
-              </a:extLst>
-            </a:blip>
-            <a:stretch>
-              <a:fillRect/>
-            </a:stretch>
-          </p:blipFill>
-          <p:spPr>
-            <a:xfrm>
-              <a:off x="9860070" y="4258646"/>
-              <a:ext cx="914400" cy="914400"/>
-            </a:xfrm>
-            <a:prstGeom prst="rect">
-              <a:avLst/>
-            </a:prstGeom>
-          </p:spPr>
-        </p:pic>
-      </p:grpSp>
-      <p:grpSp>
-        <p:nvGrpSpPr>
-          <p:cNvPr id="17" name="Agrupar 16">
-            <a:extLst>
-              <a:ext uri="{FF2B5EF4-FFF2-40B4-BE49-F238E27FC236}">
-                <a16:creationId xmlns:a16="http://schemas.microsoft.com/office/drawing/2014/main" id="{BC769839-D8F0-4B4E-AF3F-DDB86844AC1A}"/>
-              </a:ext>
-            </a:extLst>
-          </p:cNvPr>
-          <p:cNvGrpSpPr/>
-          <p:nvPr/>
-        </p:nvGrpSpPr>
-        <p:grpSpPr>
-          <a:xfrm>
-            <a:off x="8786082" y="4160128"/>
-            <a:ext cx="1814889" cy="1500393"/>
-            <a:chOff x="2867287" y="1518611"/>
-            <a:chExt cx="1814889" cy="1500393"/>
-          </a:xfrm>
-        </p:grpSpPr>
-        <p:pic>
-          <p:nvPicPr>
-            <p:cNvPr id="1030" name="Picture 6">
-              <a:extLst>
-                <a:ext uri="{FF2B5EF4-FFF2-40B4-BE49-F238E27FC236}">
-                  <a16:creationId xmlns:a16="http://schemas.microsoft.com/office/drawing/2014/main" id="{4E0EAE6D-0B66-4862-9872-C9DE9016F194}"/>
-                </a:ext>
-              </a:extLst>
-            </p:cNvPr>
-            <p:cNvPicPr>
-              <a:picLocks noChangeAspect="1" noChangeArrowheads="1"/>
-            </p:cNvPicPr>
-            <p:nvPr/>
-          </p:nvPicPr>
-          <p:blipFill>
-            <a:blip r:embed="rId11">
-              <a:extLst>
-                <a:ext uri="{28A0092B-C50C-407E-A947-70E740481C1C}">
-                  <a14:useLocalDpi xmlns:a14="http://schemas.microsoft.com/office/drawing/2010/main" val="0"/>
-                </a:ext>
-              </a:extLst>
-            </a:blip>
-            <a:srcRect/>
-            <a:stretch>
-              <a:fillRect/>
-            </a:stretch>
-          </p:blipFill>
-          <p:spPr bwMode="auto">
-            <a:xfrm rot="12619343">
-              <a:off x="2867287" y="1703366"/>
-              <a:ext cx="1315638" cy="1315638"/>
-            </a:xfrm>
-            <a:prstGeom prst="rect">
-              <a:avLst/>
-            </a:prstGeom>
-            <a:noFill/>
-            <a:extLst>
-              <a:ext uri="{909E8E84-426E-40DD-AFC4-6F175D3DCCD1}">
-                <a14:hiddenFill xmlns:a14="http://schemas.microsoft.com/office/drawing/2010/main">
-                  <a:solidFill>
-                    <a:srgbClr val="FFFFFF"/>
-                  </a:solidFill>
-                </a14:hiddenFill>
-              </a:ext>
-            </a:extLst>
-          </p:spPr>
-        </p:pic>
-        <p:sp>
-          <p:nvSpPr>
-            <p:cNvPr id="16" name="Retângulo 15">
-              <a:extLst>
-                <a:ext uri="{FF2B5EF4-FFF2-40B4-BE49-F238E27FC236}">
-                  <a16:creationId xmlns:a16="http://schemas.microsoft.com/office/drawing/2014/main" id="{A193C60F-78AE-4623-BD56-E8786967FD3E}"/>
-                </a:ext>
-              </a:extLst>
-            </p:cNvPr>
-            <p:cNvSpPr/>
-            <p:nvPr/>
-          </p:nvSpPr>
-          <p:spPr>
-            <a:xfrm>
-              <a:off x="3172571" y="1518611"/>
-              <a:ext cx="1509605" cy="1323439"/>
-            </a:xfrm>
-            <a:prstGeom prst="rect">
-              <a:avLst/>
-            </a:prstGeom>
-          </p:spPr>
-          <p:txBody>
-            <a:bodyPr wrap="square">
-              <a:spAutoFit/>
-            </a:bodyPr>
-            <a:lstStyle/>
-            <a:p>
-              <a:r>
-                <a:rPr lang="pt-BR" sz="8000" dirty="0"/>
-                <a:t>!</a:t>
-              </a:r>
-            </a:p>
-          </p:txBody>
-        </p:sp>
-      </p:grpSp>
-      <p:grpSp>
-        <p:nvGrpSpPr>
-          <p:cNvPr id="20" name="Agrupar 19">
-            <a:extLst>
-              <a:ext uri="{FF2B5EF4-FFF2-40B4-BE49-F238E27FC236}">
-                <a16:creationId xmlns:a16="http://schemas.microsoft.com/office/drawing/2014/main" id="{9DA2F06B-3BDC-4941-B541-C60388C0EF46}"/>
-              </a:ext>
-            </a:extLst>
-          </p:cNvPr>
-          <p:cNvGrpSpPr/>
-          <p:nvPr/>
-        </p:nvGrpSpPr>
-        <p:grpSpPr>
-          <a:xfrm>
-            <a:off x="10175036" y="1511465"/>
-            <a:ext cx="2039865" cy="1481677"/>
-            <a:chOff x="9512788" y="5468253"/>
-            <a:chExt cx="1960642" cy="1446550"/>
-          </a:xfrm>
-        </p:grpSpPr>
-        <p:pic>
-          <p:nvPicPr>
-            <p:cNvPr id="1032" name="Picture 8">
-              <a:extLst>
-                <a:ext uri="{FF2B5EF4-FFF2-40B4-BE49-F238E27FC236}">
-                  <a16:creationId xmlns:a16="http://schemas.microsoft.com/office/drawing/2014/main" id="{4DD53F67-10EA-4C98-8A0A-517B37F04B74}"/>
-                </a:ext>
-              </a:extLst>
-            </p:cNvPr>
-            <p:cNvPicPr>
-              <a:picLocks noChangeAspect="1" noChangeArrowheads="1"/>
-            </p:cNvPicPr>
-            <p:nvPr/>
-          </p:nvPicPr>
-          <p:blipFill>
-            <a:blip r:embed="rId12">
-              <a:extLst>
-                <a:ext uri="{28A0092B-C50C-407E-A947-70E740481C1C}">
-                  <a14:useLocalDpi xmlns:a14="http://schemas.microsoft.com/office/drawing/2010/main" val="0"/>
-                </a:ext>
-              </a:extLst>
-            </a:blip>
-            <a:srcRect/>
-            <a:stretch>
-              <a:fillRect/>
-            </a:stretch>
-          </p:blipFill>
-          <p:spPr bwMode="auto">
-            <a:xfrm>
-              <a:off x="9512788" y="5545174"/>
-              <a:ext cx="1960642" cy="1134009"/>
-            </a:xfrm>
-            <a:prstGeom prst="rect">
-              <a:avLst/>
-            </a:prstGeom>
-            <a:noFill/>
-            <a:extLst>
-              <a:ext uri="{909E8E84-426E-40DD-AFC4-6F175D3DCCD1}">
-                <a14:hiddenFill xmlns:a14="http://schemas.microsoft.com/office/drawing/2010/main">
-                  <a:solidFill>
-                    <a:srgbClr val="FFFFFF"/>
-                  </a:solidFill>
-                </a14:hiddenFill>
-              </a:ext>
-            </a:extLst>
-          </p:spPr>
-        </p:pic>
-        <p:sp>
-          <p:nvSpPr>
-            <p:cNvPr id="18" name="Retângulo 17">
-              <a:extLst>
-                <a:ext uri="{FF2B5EF4-FFF2-40B4-BE49-F238E27FC236}">
-                  <a16:creationId xmlns:a16="http://schemas.microsoft.com/office/drawing/2014/main" id="{21D8B61C-5FF1-416F-A923-07A3F3FA6F80}"/>
-                </a:ext>
-              </a:extLst>
-            </p:cNvPr>
-            <p:cNvSpPr/>
-            <p:nvPr/>
-          </p:nvSpPr>
-          <p:spPr>
-            <a:xfrm>
-              <a:off x="10211030" y="5468253"/>
-              <a:ext cx="551754" cy="1446550"/>
-            </a:xfrm>
-            <a:prstGeom prst="rect">
-              <a:avLst/>
-            </a:prstGeom>
-          </p:spPr>
-          <p:txBody>
-            <a:bodyPr wrap="none">
-              <a:spAutoFit/>
-            </a:bodyPr>
-            <a:lstStyle/>
-            <a:p>
-              <a:r>
-                <a:rPr lang="pt-BR" sz="8800" dirty="0"/>
-                <a:t>!</a:t>
-              </a:r>
-            </a:p>
-          </p:txBody>
-        </p:sp>
-      </p:grpSp>
-      <p:pic>
-        <p:nvPicPr>
           <p:cNvPr id="4" name="Imagem 3">
             <a:extLst>
               <a:ext uri="{FF2B5EF4-FFF2-40B4-BE49-F238E27FC236}">
@@ -8680,14 +7785,14 @@
           <p:nvPr/>
         </p:nvPicPr>
         <p:blipFill>
-          <a:blip r:embed="rId13"/>
+          <a:blip r:embed="rId4"/>
           <a:stretch>
             <a:fillRect/>
           </a:stretch>
         </p:blipFill>
         <p:spPr>
           <a:xfrm>
-            <a:off x="427573" y="2739355"/>
+            <a:off x="2147834" y="3460323"/>
             <a:ext cx="7896332" cy="716113"/>
           </a:xfrm>
           <a:prstGeom prst="rect">
@@ -8798,777 +7903,6 @@
                                   </p:childTnLst>
                                 </p:cTn>
                               </p:par>
-                              <p:par>
-                                <p:cTn id="11" presetID="10" presetClass="entr" presetSubtype="0" fill="hold" grpId="0" nodeType="withEffect">
-                                  <p:stCondLst>
-                                    <p:cond delay="500"/>
-                                  </p:stCondLst>
-                                  <p:childTnLst>
-                                    <p:set>
-                                      <p:cBhvr>
-                                        <p:cTn id="12" dur="1" fill="hold">
-                                          <p:stCondLst>
-                                            <p:cond delay="0"/>
-                                          </p:stCondLst>
-                                        </p:cTn>
-                                        <p:tgtEl>
-                                          <p:spTgt spid="7"/>
-                                        </p:tgtEl>
-                                        <p:attrNameLst>
-                                          <p:attrName>style.visibility</p:attrName>
-                                        </p:attrNameLst>
-                                      </p:cBhvr>
-                                      <p:to>
-                                        <p:strVal val="visible"/>
-                                      </p:to>
-                                    </p:set>
-                                    <p:animEffect transition="in" filter="fade">
-                                      <p:cBhvr>
-                                        <p:cTn id="13" dur="250"/>
-                                        <p:tgtEl>
-                                          <p:spTgt spid="7"/>
-                                        </p:tgtEl>
-                                      </p:cBhvr>
-                                    </p:animEffect>
-                                  </p:childTnLst>
-                                </p:cTn>
-                              </p:par>
-                            </p:childTnLst>
-                          </p:cTn>
-                        </p:par>
-                      </p:childTnLst>
-                    </p:cTn>
-                  </p:par>
-                  <p:par>
-                    <p:cTn id="14" fill="hold">
-                      <p:stCondLst>
-                        <p:cond delay="indefinite"/>
-                      </p:stCondLst>
-                      <p:childTnLst>
-                        <p:par>
-                          <p:cTn id="15" fill="hold">
-                            <p:stCondLst>
-                              <p:cond delay="0"/>
-                            </p:stCondLst>
-                            <p:childTnLst>
-                              <p:par>
-                                <p:cTn id="16" presetID="42" presetClass="entr" presetSubtype="0" fill="hold" nodeType="clickEffect">
-                                  <p:stCondLst>
-                                    <p:cond delay="0"/>
-                                  </p:stCondLst>
-                                  <p:childTnLst>
-                                    <p:set>
-                                      <p:cBhvr>
-                                        <p:cTn id="17" dur="1" fill="hold">
-                                          <p:stCondLst>
-                                            <p:cond delay="0"/>
-                                          </p:stCondLst>
-                                        </p:cTn>
-                                        <p:tgtEl>
-                                          <p:spTgt spid="11"/>
-                                        </p:tgtEl>
-                                        <p:attrNameLst>
-                                          <p:attrName>style.visibility</p:attrName>
-                                        </p:attrNameLst>
-                                      </p:cBhvr>
-                                      <p:to>
-                                        <p:strVal val="visible"/>
-                                      </p:to>
-                                    </p:set>
-                                    <p:animEffect transition="in" filter="fade">
-                                      <p:cBhvr>
-                                        <p:cTn id="18" dur="1000"/>
-                                        <p:tgtEl>
-                                          <p:spTgt spid="11"/>
-                                        </p:tgtEl>
-                                      </p:cBhvr>
-                                    </p:animEffect>
-                                    <p:anim calcmode="lin" valueType="num">
-                                      <p:cBhvr>
-                                        <p:cTn id="19" dur="1000" fill="hold"/>
-                                        <p:tgtEl>
-                                          <p:spTgt spid="11"/>
-                                        </p:tgtEl>
-                                        <p:attrNameLst>
-                                          <p:attrName>ppt_x</p:attrName>
-                                        </p:attrNameLst>
-                                      </p:cBhvr>
-                                      <p:tavLst>
-                                        <p:tav tm="0">
-                                          <p:val>
-                                            <p:strVal val="#ppt_x"/>
-                                          </p:val>
-                                        </p:tav>
-                                        <p:tav tm="100000">
-                                          <p:val>
-                                            <p:strVal val="#ppt_x"/>
-                                          </p:val>
-                                        </p:tav>
-                                      </p:tavLst>
-                                    </p:anim>
-                                    <p:anim calcmode="lin" valueType="num">
-                                      <p:cBhvr>
-                                        <p:cTn id="20" dur="1000" fill="hold"/>
-                                        <p:tgtEl>
-                                          <p:spTgt spid="11"/>
-                                        </p:tgtEl>
-                                        <p:attrNameLst>
-                                          <p:attrName>ppt_y</p:attrName>
-                                        </p:attrNameLst>
-                                      </p:cBhvr>
-                                      <p:tavLst>
-                                        <p:tav tm="0">
-                                          <p:val>
-                                            <p:strVal val="#ppt_y+.1"/>
-                                          </p:val>
-                                        </p:tav>
-                                        <p:tav tm="100000">
-                                          <p:val>
-                                            <p:strVal val="#ppt_y"/>
-                                          </p:val>
-                                        </p:tav>
-                                      </p:tavLst>
-                                    </p:anim>
-                                  </p:childTnLst>
-                                </p:cTn>
-                              </p:par>
-                            </p:childTnLst>
-                          </p:cTn>
-                        </p:par>
-                      </p:childTnLst>
-                    </p:cTn>
-                  </p:par>
-                  <p:par>
-                    <p:cTn id="21" fill="hold">
-                      <p:stCondLst>
-                        <p:cond delay="indefinite"/>
-                      </p:stCondLst>
-                      <p:childTnLst>
-                        <p:par>
-                          <p:cTn id="22" fill="hold">
-                            <p:stCondLst>
-                              <p:cond delay="0"/>
-                            </p:stCondLst>
-                            <p:childTnLst>
-                              <p:par>
-                                <p:cTn id="23" presetID="2" presetClass="entr" presetSubtype="4" fill="hold" nodeType="clickEffect">
-                                  <p:stCondLst>
-                                    <p:cond delay="0"/>
-                                  </p:stCondLst>
-                                  <p:childTnLst>
-                                    <p:set>
-                                      <p:cBhvr>
-                                        <p:cTn id="24" dur="1" fill="hold">
-                                          <p:stCondLst>
-                                            <p:cond delay="0"/>
-                                          </p:stCondLst>
-                                        </p:cTn>
-                                        <p:tgtEl>
-                                          <p:spTgt spid="20"/>
-                                        </p:tgtEl>
-                                        <p:attrNameLst>
-                                          <p:attrName>style.visibility</p:attrName>
-                                        </p:attrNameLst>
-                                      </p:cBhvr>
-                                      <p:to>
-                                        <p:strVal val="visible"/>
-                                      </p:to>
-                                    </p:set>
-                                    <p:anim calcmode="lin" valueType="num">
-                                      <p:cBhvr additive="base">
-                                        <p:cTn id="25" dur="500" fill="hold"/>
-                                        <p:tgtEl>
-                                          <p:spTgt spid="20"/>
-                                        </p:tgtEl>
-                                        <p:attrNameLst>
-                                          <p:attrName>ppt_x</p:attrName>
-                                        </p:attrNameLst>
-                                      </p:cBhvr>
-                                      <p:tavLst>
-                                        <p:tav tm="0">
-                                          <p:val>
-                                            <p:strVal val="#ppt_x"/>
-                                          </p:val>
-                                        </p:tav>
-                                        <p:tav tm="100000">
-                                          <p:val>
-                                            <p:strVal val="#ppt_x"/>
-                                          </p:val>
-                                        </p:tav>
-                                      </p:tavLst>
-                                    </p:anim>
-                                    <p:anim calcmode="lin" valueType="num">
-                                      <p:cBhvr additive="base">
-                                        <p:cTn id="26" dur="500" fill="hold"/>
-                                        <p:tgtEl>
-                                          <p:spTgt spid="20"/>
-                                        </p:tgtEl>
-                                        <p:attrNameLst>
-                                          <p:attrName>ppt_y</p:attrName>
-                                        </p:attrNameLst>
-                                      </p:cBhvr>
-                                      <p:tavLst>
-                                        <p:tav tm="0">
-                                          <p:val>
-                                            <p:strVal val="1+#ppt_h/2"/>
-                                          </p:val>
-                                        </p:tav>
-                                        <p:tav tm="100000">
-                                          <p:val>
-                                            <p:strVal val="#ppt_y"/>
-                                          </p:val>
-                                        </p:tav>
-                                      </p:tavLst>
-                                    </p:anim>
-                                  </p:childTnLst>
-                                </p:cTn>
-                              </p:par>
-                            </p:childTnLst>
-                          </p:cTn>
-                        </p:par>
-                      </p:childTnLst>
-                    </p:cTn>
-                  </p:par>
-                  <p:par>
-                    <p:cTn id="27" fill="hold">
-                      <p:stCondLst>
-                        <p:cond delay="indefinite"/>
-                      </p:stCondLst>
-                      <p:childTnLst>
-                        <p:par>
-                          <p:cTn id="28" fill="hold">
-                            <p:stCondLst>
-                              <p:cond delay="0"/>
-                            </p:stCondLst>
-                            <p:childTnLst>
-                              <p:par>
-                                <p:cTn id="29" presetID="2" presetClass="entr" presetSubtype="4" fill="hold" nodeType="clickEffect">
-                                  <p:stCondLst>
-                                    <p:cond delay="0"/>
-                                  </p:stCondLst>
-                                  <p:childTnLst>
-                                    <p:set>
-                                      <p:cBhvr>
-                                        <p:cTn id="30" dur="1" fill="hold">
-                                          <p:stCondLst>
-                                            <p:cond delay="0"/>
-                                          </p:stCondLst>
-                                        </p:cTn>
-                                        <p:tgtEl>
-                                          <p:spTgt spid="12"/>
-                                        </p:tgtEl>
-                                        <p:attrNameLst>
-                                          <p:attrName>style.visibility</p:attrName>
-                                        </p:attrNameLst>
-                                      </p:cBhvr>
-                                      <p:to>
-                                        <p:strVal val="visible"/>
-                                      </p:to>
-                                    </p:set>
-                                    <p:anim calcmode="lin" valueType="num">
-                                      <p:cBhvr additive="base">
-                                        <p:cTn id="31" dur="500" fill="hold"/>
-                                        <p:tgtEl>
-                                          <p:spTgt spid="12"/>
-                                        </p:tgtEl>
-                                        <p:attrNameLst>
-                                          <p:attrName>ppt_x</p:attrName>
-                                        </p:attrNameLst>
-                                      </p:cBhvr>
-                                      <p:tavLst>
-                                        <p:tav tm="0">
-                                          <p:val>
-                                            <p:strVal val="#ppt_x"/>
-                                          </p:val>
-                                        </p:tav>
-                                        <p:tav tm="100000">
-                                          <p:val>
-                                            <p:strVal val="#ppt_x"/>
-                                          </p:val>
-                                        </p:tav>
-                                      </p:tavLst>
-                                    </p:anim>
-                                    <p:anim calcmode="lin" valueType="num">
-                                      <p:cBhvr additive="base">
-                                        <p:cTn id="32" dur="500" fill="hold"/>
-                                        <p:tgtEl>
-                                          <p:spTgt spid="12"/>
-                                        </p:tgtEl>
-                                        <p:attrNameLst>
-                                          <p:attrName>ppt_y</p:attrName>
-                                        </p:attrNameLst>
-                                      </p:cBhvr>
-                                      <p:tavLst>
-                                        <p:tav tm="0">
-                                          <p:val>
-                                            <p:strVal val="1+#ppt_h/2"/>
-                                          </p:val>
-                                        </p:tav>
-                                        <p:tav tm="100000">
-                                          <p:val>
-                                            <p:strVal val="#ppt_y"/>
-                                          </p:val>
-                                        </p:tav>
-                                      </p:tavLst>
-                                    </p:anim>
-                                  </p:childTnLst>
-                                </p:cTn>
-                              </p:par>
-                            </p:childTnLst>
-                          </p:cTn>
-                        </p:par>
-                      </p:childTnLst>
-                    </p:cTn>
-                  </p:par>
-                  <p:par>
-                    <p:cTn id="33" fill="hold">
-                      <p:stCondLst>
-                        <p:cond delay="indefinite"/>
-                      </p:stCondLst>
-                      <p:childTnLst>
-                        <p:par>
-                          <p:cTn id="34" fill="hold">
-                            <p:stCondLst>
-                              <p:cond delay="0"/>
-                            </p:stCondLst>
-                            <p:childTnLst>
-                              <p:par>
-                                <p:cTn id="35" presetID="2" presetClass="entr" presetSubtype="4" fill="hold" nodeType="clickEffect">
-                                  <p:stCondLst>
-                                    <p:cond delay="0"/>
-                                  </p:stCondLst>
-                                  <p:childTnLst>
-                                    <p:set>
-                                      <p:cBhvr>
-                                        <p:cTn id="36" dur="1" fill="hold">
-                                          <p:stCondLst>
-                                            <p:cond delay="0"/>
-                                          </p:stCondLst>
-                                        </p:cTn>
-                                        <p:tgtEl>
-                                          <p:spTgt spid="15"/>
-                                        </p:tgtEl>
-                                        <p:attrNameLst>
-                                          <p:attrName>style.visibility</p:attrName>
-                                        </p:attrNameLst>
-                                      </p:cBhvr>
-                                      <p:to>
-                                        <p:strVal val="visible"/>
-                                      </p:to>
-                                    </p:set>
-                                    <p:anim calcmode="lin" valueType="num">
-                                      <p:cBhvr additive="base">
-                                        <p:cTn id="37" dur="500" fill="hold"/>
-                                        <p:tgtEl>
-                                          <p:spTgt spid="15"/>
-                                        </p:tgtEl>
-                                        <p:attrNameLst>
-                                          <p:attrName>ppt_x</p:attrName>
-                                        </p:attrNameLst>
-                                      </p:cBhvr>
-                                      <p:tavLst>
-                                        <p:tav tm="0">
-                                          <p:val>
-                                            <p:strVal val="#ppt_x"/>
-                                          </p:val>
-                                        </p:tav>
-                                        <p:tav tm="100000">
-                                          <p:val>
-                                            <p:strVal val="#ppt_x"/>
-                                          </p:val>
-                                        </p:tav>
-                                      </p:tavLst>
-                                    </p:anim>
-                                    <p:anim calcmode="lin" valueType="num">
-                                      <p:cBhvr additive="base">
-                                        <p:cTn id="38" dur="500" fill="hold"/>
-                                        <p:tgtEl>
-                                          <p:spTgt spid="15"/>
-                                        </p:tgtEl>
-                                        <p:attrNameLst>
-                                          <p:attrName>ppt_y</p:attrName>
-                                        </p:attrNameLst>
-                                      </p:cBhvr>
-                                      <p:tavLst>
-                                        <p:tav tm="0">
-                                          <p:val>
-                                            <p:strVal val="1+#ppt_h/2"/>
-                                          </p:val>
-                                        </p:tav>
-                                        <p:tav tm="100000">
-                                          <p:val>
-                                            <p:strVal val="#ppt_y"/>
-                                          </p:val>
-                                        </p:tav>
-                                      </p:tavLst>
-                                    </p:anim>
-                                  </p:childTnLst>
-                                </p:cTn>
-                              </p:par>
-                            </p:childTnLst>
-                          </p:cTn>
-                        </p:par>
-                      </p:childTnLst>
-                    </p:cTn>
-                  </p:par>
-                  <p:par>
-                    <p:cTn id="39" fill="hold">
-                      <p:stCondLst>
-                        <p:cond delay="indefinite"/>
-                      </p:stCondLst>
-                      <p:childTnLst>
-                        <p:par>
-                          <p:cTn id="40" fill="hold">
-                            <p:stCondLst>
-                              <p:cond delay="0"/>
-                            </p:stCondLst>
-                            <p:childTnLst>
-                              <p:par>
-                                <p:cTn id="41" presetID="2" presetClass="entr" presetSubtype="4" fill="hold" grpId="0" nodeType="clickEffect">
-                                  <p:stCondLst>
-                                    <p:cond delay="0"/>
-                                  </p:stCondLst>
-                                  <p:childTnLst>
-                                    <p:set>
-                                      <p:cBhvr>
-                                        <p:cTn id="42" dur="1" fill="hold">
-                                          <p:stCondLst>
-                                            <p:cond delay="0"/>
-                                          </p:stCondLst>
-                                        </p:cTn>
-                                        <p:tgtEl>
-                                          <p:spTgt spid="14"/>
-                                        </p:tgtEl>
-                                        <p:attrNameLst>
-                                          <p:attrName>style.visibility</p:attrName>
-                                        </p:attrNameLst>
-                                      </p:cBhvr>
-                                      <p:to>
-                                        <p:strVal val="visible"/>
-                                      </p:to>
-                                    </p:set>
-                                    <p:anim calcmode="lin" valueType="num">
-                                      <p:cBhvr additive="base">
-                                        <p:cTn id="43" dur="500" fill="hold"/>
-                                        <p:tgtEl>
-                                          <p:spTgt spid="14"/>
-                                        </p:tgtEl>
-                                        <p:attrNameLst>
-                                          <p:attrName>ppt_x</p:attrName>
-                                        </p:attrNameLst>
-                                      </p:cBhvr>
-                                      <p:tavLst>
-                                        <p:tav tm="0">
-                                          <p:val>
-                                            <p:strVal val="#ppt_x"/>
-                                          </p:val>
-                                        </p:tav>
-                                        <p:tav tm="100000">
-                                          <p:val>
-                                            <p:strVal val="#ppt_x"/>
-                                          </p:val>
-                                        </p:tav>
-                                      </p:tavLst>
-                                    </p:anim>
-                                    <p:anim calcmode="lin" valueType="num">
-                                      <p:cBhvr additive="base">
-                                        <p:cTn id="44" dur="500" fill="hold"/>
-                                        <p:tgtEl>
-                                          <p:spTgt spid="14"/>
-                                        </p:tgtEl>
-                                        <p:attrNameLst>
-                                          <p:attrName>ppt_y</p:attrName>
-                                        </p:attrNameLst>
-                                      </p:cBhvr>
-                                      <p:tavLst>
-                                        <p:tav tm="0">
-                                          <p:val>
-                                            <p:strVal val="1+#ppt_h/2"/>
-                                          </p:val>
-                                        </p:tav>
-                                        <p:tav tm="100000">
-                                          <p:val>
-                                            <p:strVal val="#ppt_y"/>
-                                          </p:val>
-                                        </p:tav>
-                                      </p:tavLst>
-                                    </p:anim>
-                                  </p:childTnLst>
-                                </p:cTn>
-                              </p:par>
-                            </p:childTnLst>
-                          </p:cTn>
-                        </p:par>
-                      </p:childTnLst>
-                    </p:cTn>
-                  </p:par>
-                  <p:par>
-                    <p:cTn id="45" fill="hold">
-                      <p:stCondLst>
-                        <p:cond delay="indefinite"/>
-                      </p:stCondLst>
-                      <p:childTnLst>
-                        <p:par>
-                          <p:cTn id="46" fill="hold">
-                            <p:stCondLst>
-                              <p:cond delay="0"/>
-                            </p:stCondLst>
-                            <p:childTnLst>
-                              <p:par>
-                                <p:cTn id="47" presetID="2" presetClass="entr" presetSubtype="4" fill="hold" nodeType="clickEffect">
-                                  <p:stCondLst>
-                                    <p:cond delay="0"/>
-                                  </p:stCondLst>
-                                  <p:childTnLst>
-                                    <p:set>
-                                      <p:cBhvr>
-                                        <p:cTn id="48" dur="1" fill="hold">
-                                          <p:stCondLst>
-                                            <p:cond delay="0"/>
-                                          </p:stCondLst>
-                                        </p:cTn>
-                                        <p:tgtEl>
-                                          <p:spTgt spid="1028"/>
-                                        </p:tgtEl>
-                                        <p:attrNameLst>
-                                          <p:attrName>style.visibility</p:attrName>
-                                        </p:attrNameLst>
-                                      </p:cBhvr>
-                                      <p:to>
-                                        <p:strVal val="visible"/>
-                                      </p:to>
-                                    </p:set>
-                                    <p:anim calcmode="lin" valueType="num">
-                                      <p:cBhvr additive="base">
-                                        <p:cTn id="49" dur="500" fill="hold"/>
-                                        <p:tgtEl>
-                                          <p:spTgt spid="1028"/>
-                                        </p:tgtEl>
-                                        <p:attrNameLst>
-                                          <p:attrName>ppt_x</p:attrName>
-                                        </p:attrNameLst>
-                                      </p:cBhvr>
-                                      <p:tavLst>
-                                        <p:tav tm="0">
-                                          <p:val>
-                                            <p:strVal val="#ppt_x"/>
-                                          </p:val>
-                                        </p:tav>
-                                        <p:tav tm="100000">
-                                          <p:val>
-                                            <p:strVal val="#ppt_x"/>
-                                          </p:val>
-                                        </p:tav>
-                                      </p:tavLst>
-                                    </p:anim>
-                                    <p:anim calcmode="lin" valueType="num">
-                                      <p:cBhvr additive="base">
-                                        <p:cTn id="50" dur="500" fill="hold"/>
-                                        <p:tgtEl>
-                                          <p:spTgt spid="1028"/>
-                                        </p:tgtEl>
-                                        <p:attrNameLst>
-                                          <p:attrName>ppt_y</p:attrName>
-                                        </p:attrNameLst>
-                                      </p:cBhvr>
-                                      <p:tavLst>
-                                        <p:tav tm="0">
-                                          <p:val>
-                                            <p:strVal val="1+#ppt_h/2"/>
-                                          </p:val>
-                                        </p:tav>
-                                        <p:tav tm="100000">
-                                          <p:val>
-                                            <p:strVal val="#ppt_y"/>
-                                          </p:val>
-                                        </p:tav>
-                                      </p:tavLst>
-                                    </p:anim>
-                                  </p:childTnLst>
-                                </p:cTn>
-                              </p:par>
-                            </p:childTnLst>
-                          </p:cTn>
-                        </p:par>
-                      </p:childTnLst>
-                    </p:cTn>
-                  </p:par>
-                  <p:par>
-                    <p:cTn id="51" fill="hold">
-                      <p:stCondLst>
-                        <p:cond delay="indefinite"/>
-                      </p:stCondLst>
-                      <p:childTnLst>
-                        <p:par>
-                          <p:cTn id="52" fill="hold">
-                            <p:stCondLst>
-                              <p:cond delay="0"/>
-                            </p:stCondLst>
-                            <p:childTnLst>
-                              <p:par>
-                                <p:cTn id="53" presetID="2" presetClass="entr" presetSubtype="4" fill="hold" nodeType="clickEffect">
-                                  <p:stCondLst>
-                                    <p:cond delay="0"/>
-                                  </p:stCondLst>
-                                  <p:childTnLst>
-                                    <p:set>
-                                      <p:cBhvr>
-                                        <p:cTn id="54" dur="1" fill="hold">
-                                          <p:stCondLst>
-                                            <p:cond delay="0"/>
-                                          </p:stCondLst>
-                                        </p:cTn>
-                                        <p:tgtEl>
-                                          <p:spTgt spid="17"/>
-                                        </p:tgtEl>
-                                        <p:attrNameLst>
-                                          <p:attrName>style.visibility</p:attrName>
-                                        </p:attrNameLst>
-                                      </p:cBhvr>
-                                      <p:to>
-                                        <p:strVal val="visible"/>
-                                      </p:to>
-                                    </p:set>
-                                    <p:anim calcmode="lin" valueType="num">
-                                      <p:cBhvr additive="base">
-                                        <p:cTn id="55" dur="500" fill="hold"/>
-                                        <p:tgtEl>
-                                          <p:spTgt spid="17"/>
-                                        </p:tgtEl>
-                                        <p:attrNameLst>
-                                          <p:attrName>ppt_x</p:attrName>
-                                        </p:attrNameLst>
-                                      </p:cBhvr>
-                                      <p:tavLst>
-                                        <p:tav tm="0">
-                                          <p:val>
-                                            <p:strVal val="#ppt_x"/>
-                                          </p:val>
-                                        </p:tav>
-                                        <p:tav tm="100000">
-                                          <p:val>
-                                            <p:strVal val="#ppt_x"/>
-                                          </p:val>
-                                        </p:tav>
-                                      </p:tavLst>
-                                    </p:anim>
-                                    <p:anim calcmode="lin" valueType="num">
-                                      <p:cBhvr additive="base">
-                                        <p:cTn id="56" dur="500" fill="hold"/>
-                                        <p:tgtEl>
-                                          <p:spTgt spid="17"/>
-                                        </p:tgtEl>
-                                        <p:attrNameLst>
-                                          <p:attrName>ppt_y</p:attrName>
-                                        </p:attrNameLst>
-                                      </p:cBhvr>
-                                      <p:tavLst>
-                                        <p:tav tm="0">
-                                          <p:val>
-                                            <p:strVal val="1+#ppt_h/2"/>
-                                          </p:val>
-                                        </p:tav>
-                                        <p:tav tm="100000">
-                                          <p:val>
-                                            <p:strVal val="#ppt_y"/>
-                                          </p:val>
-                                        </p:tav>
-                                      </p:tavLst>
-                                    </p:anim>
-                                  </p:childTnLst>
-                                </p:cTn>
-                              </p:par>
-                            </p:childTnLst>
-                          </p:cTn>
-                        </p:par>
-                      </p:childTnLst>
-                    </p:cTn>
-                  </p:par>
-                  <p:par>
-                    <p:cTn id="57" fill="hold">
-                      <p:stCondLst>
-                        <p:cond delay="indefinite"/>
-                      </p:stCondLst>
-                      <p:childTnLst>
-                        <p:par>
-                          <p:cTn id="58" fill="hold">
-                            <p:stCondLst>
-                              <p:cond delay="0"/>
-                            </p:stCondLst>
-                            <p:childTnLst>
-                              <p:par>
-                                <p:cTn id="59" presetID="2" presetClass="entr" presetSubtype="4" fill="hold" nodeType="clickEffect">
-                                  <p:stCondLst>
-                                    <p:cond delay="0"/>
-                                  </p:stCondLst>
-                                  <p:childTnLst>
-                                    <p:set>
-                                      <p:cBhvr>
-                                        <p:cTn id="60" dur="1" fill="hold">
-                                          <p:stCondLst>
-                                            <p:cond delay="0"/>
-                                          </p:stCondLst>
-                                        </p:cTn>
-                                        <p:tgtEl>
-                                          <p:spTgt spid="13"/>
-                                        </p:tgtEl>
-                                        <p:attrNameLst>
-                                          <p:attrName>style.visibility</p:attrName>
-                                        </p:attrNameLst>
-                                      </p:cBhvr>
-                                      <p:to>
-                                        <p:strVal val="visible"/>
-                                      </p:to>
-                                    </p:set>
-                                    <p:anim calcmode="lin" valueType="num">
-                                      <p:cBhvr additive="base">
-                                        <p:cTn id="61" dur="500" fill="hold"/>
-                                        <p:tgtEl>
-                                          <p:spTgt spid="13"/>
-                                        </p:tgtEl>
-                                        <p:attrNameLst>
-                                          <p:attrName>ppt_x</p:attrName>
-                                        </p:attrNameLst>
-                                      </p:cBhvr>
-                                      <p:tavLst>
-                                        <p:tav tm="0">
-                                          <p:val>
-                                            <p:strVal val="#ppt_x"/>
-                                          </p:val>
-                                        </p:tav>
-                                        <p:tav tm="100000">
-                                          <p:val>
-                                            <p:strVal val="#ppt_x"/>
-                                          </p:val>
-                                        </p:tav>
-                                      </p:tavLst>
-                                    </p:anim>
-                                    <p:anim calcmode="lin" valueType="num">
-                                      <p:cBhvr additive="base">
-                                        <p:cTn id="62" dur="500" fill="hold"/>
-                                        <p:tgtEl>
-                                          <p:spTgt spid="13"/>
-                                        </p:tgtEl>
-                                        <p:attrNameLst>
-                                          <p:attrName>ppt_y</p:attrName>
-                                        </p:attrNameLst>
-                                      </p:cBhvr>
-                                      <p:tavLst>
-                                        <p:tav tm="0">
-                                          <p:val>
-                                            <p:strVal val="1+#ppt_h/2"/>
-                                          </p:val>
-                                        </p:tav>
-                                        <p:tav tm="100000">
-                                          <p:val>
-                                            <p:strVal val="#ppt_y"/>
-                                          </p:val>
-                                        </p:tav>
-                                      </p:tavLst>
-                                    </p:anim>
-                                  </p:childTnLst>
-                                </p:cTn>
-                              </p:par>
                             </p:childTnLst>
                           </p:cTn>
                         </p:par>
@@ -9598,8 +7932,6 @@
     </p:tnLst>
     <p:bldLst>
       <p:bldP spid="6" grpId="0" animBg="1"/>
-      <p:bldP spid="7" grpId="0" animBg="1"/>
-      <p:bldP spid="14" grpId="0"/>
     </p:bldLst>
   </p:timing>
 </p:sld>
@@ -11241,7 +9573,7 @@
                 </a:solidFill>
                 <a:ea typeface="MS Mincho" panose="020B0400000000000000" pitchFamily="49" charset="-128"/>
               </a:rPr>
-              <a:t> Sensores.</a:t>
+              <a:t> Sensores e containers.</a:t>
             </a:r>
           </a:p>
           <a:p>
@@ -11751,6 +10083,16 @@
 <file path=ppt/slides/slide3.xml><?xml version="1.0" encoding="utf-8"?>
 <p:sld xmlns:a="http://schemas.openxmlformats.org/drawingml/2006/main" xmlns:r="http://schemas.openxmlformats.org/officeDocument/2006/relationships" xmlns:p="http://schemas.openxmlformats.org/presentationml/2006/main">
   <p:cSld>
+    <p:bg>
+      <p:bgPr>
+        <a:solidFill>
+          <a:schemeClr val="bg2">
+            <a:lumMod val="90000"/>
+          </a:schemeClr>
+        </a:solidFill>
+        <a:effectLst/>
+      </p:bgPr>
+    </p:bg>
     <p:spTree>
       <p:nvGrpSpPr>
         <p:cNvPr id="1" name=""/>
@@ -12140,6 +10482,60 @@
           </a:prstGeom>
         </p:spPr>
       </p:pic>
+      <p:sp>
+        <p:nvSpPr>
+          <p:cNvPr id="8" name="Retângulo 7">
+            <a:extLst>
+              <a:ext uri="{FF2B5EF4-FFF2-40B4-BE49-F238E27FC236}">
+                <a16:creationId xmlns:a16="http://schemas.microsoft.com/office/drawing/2014/main" id="{15D894E8-65FB-4BAD-84A5-880D6DB1B886}"/>
+              </a:ext>
+            </a:extLst>
+          </p:cNvPr>
+          <p:cNvSpPr/>
+          <p:nvPr/>
+        </p:nvSpPr>
+        <p:spPr>
+          <a:xfrm>
+            <a:off x="0" y="1659835"/>
+            <a:ext cx="11150221" cy="3538330"/>
+          </a:xfrm>
+          <a:prstGeom prst="rect">
+            <a:avLst/>
+          </a:prstGeom>
+          <a:solidFill>
+            <a:schemeClr val="bg2">
+              <a:lumMod val="25000"/>
+            </a:schemeClr>
+          </a:solidFill>
+          <a:ln>
+            <a:noFill/>
+          </a:ln>
+        </p:spPr>
+        <p:style>
+          <a:lnRef idx="2">
+            <a:schemeClr val="accent1">
+              <a:shade val="50000"/>
+            </a:schemeClr>
+          </a:lnRef>
+          <a:fillRef idx="1">
+            <a:schemeClr val="accent1"/>
+          </a:fillRef>
+          <a:effectRef idx="0">
+            <a:schemeClr val="accent1"/>
+          </a:effectRef>
+          <a:fontRef idx="minor">
+            <a:schemeClr val="lt1"/>
+          </a:fontRef>
+        </p:style>
+        <p:txBody>
+          <a:bodyPr rtlCol="0" anchor="ctr"/>
+          <a:lstStyle/>
+          <a:p>
+            <a:pPr algn="ctr"/>
+            <a:endParaRPr lang="pt-BR" u="sng" dirty="0"/>
+          </a:p>
+        </p:txBody>
+      </p:sp>
       <p:sp>
         <p:nvSpPr>
           <p:cNvPr id="5" name="CaixaDeTexto 4">
@@ -12491,6 +10887,97 @@
                       </p:childTnLst>
                     </p:cTn>
                   </p:par>
+                  <p:par>
+                    <p:cTn id="19" fill="hold">
+                      <p:stCondLst>
+                        <p:cond delay="indefinite"/>
+                      </p:stCondLst>
+                      <p:childTnLst>
+                        <p:par>
+                          <p:cTn id="20" fill="hold">
+                            <p:stCondLst>
+                              <p:cond delay="0"/>
+                            </p:stCondLst>
+                            <p:childTnLst>
+                              <p:par>
+                                <p:cTn id="21" presetID="2" presetClass="entr" presetSubtype="8" fill="hold" grpId="0" nodeType="clickEffect">
+                                  <p:stCondLst>
+                                    <p:cond delay="0"/>
+                                  </p:stCondLst>
+                                  <p:childTnLst>
+                                    <p:set>
+                                      <p:cBhvr>
+                                        <p:cTn id="22" dur="1" fill="hold">
+                                          <p:stCondLst>
+                                            <p:cond delay="0"/>
+                                          </p:stCondLst>
+                                        </p:cTn>
+                                        <p:tgtEl>
+                                          <p:spTgt spid="8"/>
+                                        </p:tgtEl>
+                                        <p:attrNameLst>
+                                          <p:attrName>style.visibility</p:attrName>
+                                        </p:attrNameLst>
+                                      </p:cBhvr>
+                                      <p:to>
+                                        <p:strVal val="visible"/>
+                                      </p:to>
+                                    </p:set>
+                                    <p:anim calcmode="lin" valueType="num">
+                                      <p:cBhvr additive="base">
+                                        <p:cTn id="23" dur="500" fill="hold"/>
+                                        <p:tgtEl>
+                                          <p:spTgt spid="8"/>
+                                        </p:tgtEl>
+                                        <p:attrNameLst>
+                                          <p:attrName>ppt_x</p:attrName>
+                                        </p:attrNameLst>
+                                      </p:cBhvr>
+                                      <p:tavLst>
+                                        <p:tav tm="0">
+                                          <p:val>
+                                            <p:strVal val="0-#ppt_w/2"/>
+                                          </p:val>
+                                        </p:tav>
+                                        <p:tav tm="100000">
+                                          <p:val>
+                                            <p:strVal val="#ppt_x"/>
+                                          </p:val>
+                                        </p:tav>
+                                      </p:tavLst>
+                                    </p:anim>
+                                    <p:anim calcmode="lin" valueType="num">
+                                      <p:cBhvr additive="base">
+                                        <p:cTn id="24" dur="500" fill="hold"/>
+                                        <p:tgtEl>
+                                          <p:spTgt spid="8"/>
+                                        </p:tgtEl>
+                                        <p:attrNameLst>
+                                          <p:attrName>ppt_y</p:attrName>
+                                        </p:attrNameLst>
+                                      </p:cBhvr>
+                                      <p:tavLst>
+                                        <p:tav tm="0">
+                                          <p:val>
+                                            <p:strVal val="#ppt_y"/>
+                                          </p:val>
+                                        </p:tav>
+                                        <p:tav tm="100000">
+                                          <p:val>
+                                            <p:strVal val="#ppt_y"/>
+                                          </p:val>
+                                        </p:tav>
+                                      </p:tavLst>
+                                    </p:anim>
+                                  </p:childTnLst>
+                                </p:cTn>
+                              </p:par>
+                            </p:childTnLst>
+                          </p:cTn>
+                        </p:par>
+                      </p:childTnLst>
+                    </p:cTn>
+                  </p:par>
                 </p:childTnLst>
               </p:cTn>
               <p:prevCondLst>
@@ -12516,6 +11003,7 @@
       <p:bldP spid="3" grpId="0"/>
       <p:bldP spid="7" grpId="0" animBg="1"/>
       <p:bldP spid="9" grpId="0" animBg="1"/>
+      <p:bldP spid="8" grpId="0" animBg="1"/>
     </p:bldLst>
   </p:timing>
 </p:sld>
@@ -12524,6 +11012,16 @@
 <file path=ppt/slides/slide4.xml><?xml version="1.0" encoding="utf-8"?>
 <p:sld xmlns:a="http://schemas.openxmlformats.org/drawingml/2006/main" xmlns:r="http://schemas.openxmlformats.org/officeDocument/2006/relationships" xmlns:p="http://schemas.openxmlformats.org/presentationml/2006/main">
   <p:cSld>
+    <p:bg>
+      <p:bgPr>
+        <a:solidFill>
+          <a:schemeClr val="bg2">
+            <a:lumMod val="90000"/>
+          </a:schemeClr>
+        </a:solidFill>
+        <a:effectLst/>
+      </p:bgPr>
+    </p:bg>
     <p:spTree>
       <p:nvGrpSpPr>
         <p:cNvPr id="1" name=""/>
@@ -14767,7 +13265,7 @@
           <a:graphicData uri="http://schemas.openxmlformats.org/presentationml/2006/ole">
             <mc:AlternateContent xmlns:mc="http://schemas.openxmlformats.org/markup-compatibility/2006">
               <mc:Choice xmlns:v="urn:schemas-microsoft-com:vml" Requires="v">
-                <p:oleObj spid="_x0000_s1074" name="Worksheet" r:id="rId3" imgW="1228690" imgH="390708" progId="Excel.Sheet.12">
+                <p:oleObj spid="_x0000_s1082" name="Worksheet" r:id="rId3" imgW="1228690" imgH="390708" progId="Excel.Sheet.12">
                   <p:embed/>
                 </p:oleObj>
               </mc:Choice>
@@ -14830,7 +13328,7 @@
           <a:graphicData uri="http://schemas.openxmlformats.org/presentationml/2006/ole">
             <mc:AlternateContent xmlns:mc="http://schemas.openxmlformats.org/markup-compatibility/2006">
               <mc:Choice xmlns:v="urn:schemas-microsoft-com:vml" Requires="v">
-                <p:oleObj spid="_x0000_s1075" name="Worksheet" r:id="rId5" imgW="12611131" imgH="5343479" progId="Excel.Sheet.12">
+                <p:oleObj spid="_x0000_s1083" name="Worksheet" r:id="rId5" imgW="12611131" imgH="5343479" progId="Excel.Sheet.12">
                   <p:link updateAutomatic="1"/>
                 </p:oleObj>
               </mc:Choice>

--- a/Sprint2/Documentação/Apresentação Sprint 2.pptx
+++ b/Sprint2/Documentação/Apresentação Sprint 2.pptx
@@ -14767,7 +14767,7 @@
           <a:graphicData uri="http://schemas.openxmlformats.org/presentationml/2006/ole">
             <mc:AlternateContent xmlns:mc="http://schemas.openxmlformats.org/markup-compatibility/2006">
               <mc:Choice xmlns:v="urn:schemas-microsoft-com:vml" Requires="v">
-                <p:oleObj spid="_x0000_s1074" name="Worksheet" r:id="rId3" imgW="1228690" imgH="390708" progId="Excel.Sheet.12">
+                <p:oleObj spid="_x0000_s1078" name="Worksheet" r:id="rId3" imgW="1228690" imgH="390708" progId="Excel.Sheet.12">
                   <p:embed/>
                 </p:oleObj>
               </mc:Choice>
@@ -14830,7 +14830,7 @@
           <a:graphicData uri="http://schemas.openxmlformats.org/presentationml/2006/ole">
             <mc:AlternateContent xmlns:mc="http://schemas.openxmlformats.org/markup-compatibility/2006">
               <mc:Choice xmlns:v="urn:schemas-microsoft-com:vml" Requires="v">
-                <p:oleObj spid="_x0000_s1075" name="Worksheet" r:id="rId5" imgW="12611131" imgH="5343479" progId="Excel.Sheet.12">
+                <p:oleObj spid="_x0000_s1079" name="Worksheet" r:id="rId5" imgW="12611131" imgH="5343479" progId="Excel.Sheet.12">
                   <p:link updateAutomatic="1"/>
                 </p:oleObj>
               </mc:Choice>
